--- a/Project 2 slides.pptx
+++ b/Project 2 slides.pptx
@@ -18,23 +18,26 @@
     <p:sldId id="263" r:id="rId13"/>
     <p:sldId id="264" r:id="rId14"/>
     <p:sldId id="265" r:id="rId15"/>
+    <p:sldId id="266" r:id="rId16"/>
+    <p:sldId id="267" r:id="rId17"/>
+    <p:sldId id="268" r:id="rId18"/>
   </p:sldIdLst>
   <p:sldSz cy="5143500" cx="9144000"/>
   <p:notesSz cx="6858000" cy="9144000"/>
   <p:embeddedFontLst>
     <p:embeddedFont>
       <p:font typeface="Playfair Display"/>
-      <p:regular r:id="rId16"/>
-      <p:bold r:id="rId17"/>
-      <p:italic r:id="rId18"/>
-      <p:boldItalic r:id="rId19"/>
+      <p:regular r:id="rId19"/>
+      <p:bold r:id="rId20"/>
+      <p:italic r:id="rId21"/>
+      <p:boldItalic r:id="rId22"/>
     </p:embeddedFont>
     <p:embeddedFont>
       <p:font typeface="Lato"/>
-      <p:regular r:id="rId20"/>
-      <p:bold r:id="rId21"/>
-      <p:italic r:id="rId22"/>
-      <p:boldItalic r:id="rId23"/>
+      <p:regular r:id="rId23"/>
+      <p:bold r:id="rId24"/>
+      <p:italic r:id="rId25"/>
+      <p:boldItalic r:id="rId26"/>
     </p:embeddedFont>
   </p:embeddedFontLst>
   <p:defaultTextStyle>
@@ -815,7 +818,7 @@
   <p:cSld>
     <p:spTree>
       <p:nvGrpSpPr>
-        <p:cNvPr id="120" name="Shape 120"/>
+        <p:cNvPr id="117" name="Shape 117"/>
         <p:cNvGrpSpPr/>
         <p:nvPr/>
       </p:nvGrpSpPr>
@@ -829,7 +832,7 @@
       </p:grpSpPr>
       <p:sp>
         <p:nvSpPr>
-          <p:cNvPr id="121" name="Google Shape;121;gb6cd50f35a_0_0:notes"/>
+          <p:cNvPr id="118" name="Google Shape;118;gdfb00a2f7d_0_90:notes"/>
           <p:cNvSpPr/>
           <p:nvPr>
             <p:ph idx="2" type="sldImg"/>
@@ -864,7 +867,7 @@
       </p:sp>
       <p:sp>
         <p:nvSpPr>
-          <p:cNvPr id="122" name="Google Shape;122;gb6cd50f35a_0_0:notes"/>
+          <p:cNvPr id="119" name="Google Shape;119;gdfb00a2f7d_0_90:notes"/>
           <p:cNvSpPr txBox="1"/>
           <p:nvPr>
             <p:ph idx="1" type="body"/>
@@ -886,6 +889,141 @@
           <a:lstStyle/>
           <a:p>
             <a:pPr indent="0" lvl="0" marL="0" rtl="0" algn="l">
+              <a:lnSpc>
+                <a:spcPct val="115000"/>
+              </a:lnSpc>
+              <a:spcBef>
+                <a:spcPts val="0"/>
+              </a:spcBef>
+              <a:spcAft>
+                <a:spcPts val="1200"/>
+              </a:spcAft>
+              <a:buClr>
+                <a:schemeClr val="dk1"/>
+              </a:buClr>
+              <a:buSzPts val="1100"/>
+              <a:buFont typeface="Arial"/>
+              <a:buNone/>
+            </a:pPr>
+            <a:r>
+              <a:rPr lang="en" sz="900">
+                <a:solidFill>
+                  <a:srgbClr val="5E696C"/>
+                </a:solidFill>
+                <a:latin typeface="Lato"/>
+                <a:ea typeface="Lato"/>
+                <a:cs typeface="Lato"/>
+                <a:sym typeface="Lato"/>
+              </a:rPr>
+              <a:t>Neighborhoods were found to have the largest coefficients and hence, the greatest impact on sale price, followed by grade living area and then overall quality. The negative coefficients of numerical features may be due to their poorer correlation to sale price compared to the rest of the features. </a:t>
+            </a:r>
+            <a:r>
+              <a:rPr lang="en" sz="850">
+                <a:solidFill>
+                  <a:schemeClr val="dk1"/>
+                </a:solidFill>
+                <a:highlight>
+                  <a:srgbClr val="FFFFFF"/>
+                </a:highlight>
+              </a:rPr>
+              <a:t>Coefficients for "neigh_group1" and "neigh_group2" are negative because they are relative to the "neigh_group3" (reference group, consisting of neighborhoods that are in the highest range of sale price). Houses in "neigh_group1" have the lowest median price and hence has the most negative coefficient of the 3 neighborhood groups. Houses in "neigh_group2" have the next lowest median price, resulting in a coefficient that is between that of "neigh_group1" and 0.</a:t>
+            </a:r>
+            <a:endParaRPr sz="1600">
+              <a:solidFill>
+                <a:srgbClr val="5E696C"/>
+              </a:solidFill>
+              <a:latin typeface="Lato"/>
+              <a:ea typeface="Lato"/>
+              <a:cs typeface="Lato"/>
+              <a:sym typeface="Lato"/>
+            </a:endParaRPr>
+          </a:p>
+        </p:txBody>
+      </p:sp>
+    </p:spTree>
+  </p:cSld>
+  <p:clrMapOvr>
+    <a:masterClrMapping/>
+  </p:clrMapOvr>
+</p:notes>
+</file>
+
+<file path=ppt/notesSlides/notesSlide11.xml><?xml version="1.0" encoding="utf-8"?>
+<p:notes xmlns:a="http://schemas.openxmlformats.org/drawingml/2006/main" xmlns:r="http://schemas.openxmlformats.org/officeDocument/2006/relationships" xmlns:mc="http://schemas.openxmlformats.org/markup-compatibility/2006" xmlns:mv="urn:schemas-microsoft-com:mac:vml" xmlns:p="http://schemas.openxmlformats.org/presentationml/2006/main" xmlns:c="http://schemas.openxmlformats.org/drawingml/2006/chart" xmlns:dgm="http://schemas.openxmlformats.org/drawingml/2006/diagram" xmlns:o="urn:schemas-microsoft-com:office:office" xmlns:v="urn:schemas-microsoft-com:vml" xmlns:pvml="urn:schemas-microsoft-com:office:powerpoint" xmlns:com="http://schemas.openxmlformats.org/drawingml/2006/compatibility" xmlns:p14="http://schemas.microsoft.com/office/powerpoint/2010/main" xmlns:p15="http://schemas.microsoft.com/office/powerpoint/2012/main" xmlns:ahyp="http://schemas.microsoft.com/office/drawing/2018/hyperlinkcolor" showMasterPhAnim="0" showMasterSp="0">
+  <p:cSld>
+    <p:spTree>
+      <p:nvGrpSpPr>
+        <p:cNvPr id="126" name="Shape 126"/>
+        <p:cNvGrpSpPr/>
+        <p:nvPr/>
+      </p:nvGrpSpPr>
+      <p:grpSpPr>
+        <a:xfrm>
+          <a:off x="0" y="0"/>
+          <a:ext cx="0" cy="0"/>
+          <a:chOff x="0" y="0"/>
+          <a:chExt cx="0" cy="0"/>
+        </a:xfrm>
+      </p:grpSpPr>
+      <p:sp>
+        <p:nvSpPr>
+          <p:cNvPr id="127" name="Google Shape;127;gdfb00a2f7d_0_72:notes"/>
+          <p:cNvSpPr/>
+          <p:nvPr>
+            <p:ph idx="2" type="sldImg"/>
+          </p:nvPr>
+        </p:nvSpPr>
+        <p:spPr>
+          <a:xfrm>
+            <a:off x="381300" y="685800"/>
+            <a:ext cx="6096000" cy="3429000"/>
+          </a:xfrm>
+          <a:custGeom>
+            <a:rect b="b" l="l" r="r" t="t"/>
+            <a:pathLst>
+              <a:path extrusionOk="0" h="120000" w="120000">
+                <a:moveTo>
+                  <a:pt x="0" y="0"/>
+                </a:moveTo>
+                <a:lnTo>
+                  <a:pt x="120000" y="0"/>
+                </a:lnTo>
+                <a:lnTo>
+                  <a:pt x="120000" y="120000"/>
+                </a:lnTo>
+                <a:lnTo>
+                  <a:pt x="0" y="120000"/>
+                </a:lnTo>
+                <a:close/>
+              </a:path>
+            </a:pathLst>
+          </a:custGeom>
+        </p:spPr>
+      </p:sp>
+      <p:sp>
+        <p:nvSpPr>
+          <p:cNvPr id="128" name="Google Shape;128;gdfb00a2f7d_0_72:notes"/>
+          <p:cNvSpPr txBox="1"/>
+          <p:nvPr>
+            <p:ph idx="1" type="body"/>
+          </p:nvPr>
+        </p:nvSpPr>
+        <p:spPr>
+          <a:xfrm>
+            <a:off x="685800" y="4343400"/>
+            <a:ext cx="5486400" cy="4114800"/>
+          </a:xfrm>
+          <a:prstGeom prst="rect">
+            <a:avLst/>
+          </a:prstGeom>
+        </p:spPr>
+        <p:txBody>
+          <a:bodyPr anchorCtr="0" anchor="t" bIns="91425" lIns="91425" spcFirstLastPara="1" rIns="91425" wrap="square" tIns="91425">
+            <a:noAutofit/>
+          </a:bodyPr>
+          <a:lstStyle/>
+          <a:p>
+            <a:pPr indent="0" lvl="0" marL="0" rtl="0" algn="l">
               <a:spcBef>
                 <a:spcPts val="0"/>
               </a:spcBef>
@@ -896,6 +1034,233 @@
             </a:pPr>
             <a:r>
               <a:t/>
+            </a:r>
+            <a:endParaRPr/>
+          </a:p>
+        </p:txBody>
+      </p:sp>
+    </p:spTree>
+  </p:cSld>
+  <p:clrMapOvr>
+    <a:masterClrMapping/>
+  </p:clrMapOvr>
+</p:notes>
+</file>
+
+<file path=ppt/notesSlides/notesSlide12.xml><?xml version="1.0" encoding="utf-8"?>
+<p:notes xmlns:a="http://schemas.openxmlformats.org/drawingml/2006/main" xmlns:r="http://schemas.openxmlformats.org/officeDocument/2006/relationships" xmlns:mc="http://schemas.openxmlformats.org/markup-compatibility/2006" xmlns:mv="urn:schemas-microsoft-com:mac:vml" xmlns:p="http://schemas.openxmlformats.org/presentationml/2006/main" xmlns:c="http://schemas.openxmlformats.org/drawingml/2006/chart" xmlns:dgm="http://schemas.openxmlformats.org/drawingml/2006/diagram" xmlns:o="urn:schemas-microsoft-com:office:office" xmlns:v="urn:schemas-microsoft-com:vml" xmlns:pvml="urn:schemas-microsoft-com:office:powerpoint" xmlns:com="http://schemas.openxmlformats.org/drawingml/2006/compatibility" xmlns:p14="http://schemas.microsoft.com/office/powerpoint/2010/main" xmlns:p15="http://schemas.microsoft.com/office/powerpoint/2012/main" xmlns:ahyp="http://schemas.microsoft.com/office/drawing/2018/hyperlinkcolor" showMasterPhAnim="0" showMasterSp="0">
+  <p:cSld>
+    <p:spTree>
+      <p:nvGrpSpPr>
+        <p:cNvPr id="132" name="Shape 132"/>
+        <p:cNvGrpSpPr/>
+        <p:nvPr/>
+      </p:nvGrpSpPr>
+      <p:grpSpPr>
+        <a:xfrm>
+          <a:off x="0" y="0"/>
+          <a:ext cx="0" cy="0"/>
+          <a:chOff x="0" y="0"/>
+          <a:chExt cx="0" cy="0"/>
+        </a:xfrm>
+      </p:grpSpPr>
+      <p:sp>
+        <p:nvSpPr>
+          <p:cNvPr id="133" name="Google Shape;133;gdfb00a2f7d_0_67:notes"/>
+          <p:cNvSpPr/>
+          <p:nvPr>
+            <p:ph idx="2" type="sldImg"/>
+          </p:nvPr>
+        </p:nvSpPr>
+        <p:spPr>
+          <a:xfrm>
+            <a:off x="381300" y="685800"/>
+            <a:ext cx="6096000" cy="3429000"/>
+          </a:xfrm>
+          <a:custGeom>
+            <a:rect b="b" l="l" r="r" t="t"/>
+            <a:pathLst>
+              <a:path extrusionOk="0" h="120000" w="120000">
+                <a:moveTo>
+                  <a:pt x="0" y="0"/>
+                </a:moveTo>
+                <a:lnTo>
+                  <a:pt x="120000" y="0"/>
+                </a:lnTo>
+                <a:lnTo>
+                  <a:pt x="120000" y="120000"/>
+                </a:lnTo>
+                <a:lnTo>
+                  <a:pt x="0" y="120000"/>
+                </a:lnTo>
+                <a:close/>
+              </a:path>
+            </a:pathLst>
+          </a:custGeom>
+        </p:spPr>
+      </p:sp>
+      <p:sp>
+        <p:nvSpPr>
+          <p:cNvPr id="134" name="Google Shape;134;gdfb00a2f7d_0_67:notes"/>
+          <p:cNvSpPr txBox="1"/>
+          <p:nvPr>
+            <p:ph idx="1" type="body"/>
+          </p:nvPr>
+        </p:nvSpPr>
+        <p:spPr>
+          <a:xfrm>
+            <a:off x="685800" y="4343400"/>
+            <a:ext cx="5486400" cy="4114800"/>
+          </a:xfrm>
+          <a:prstGeom prst="rect">
+            <a:avLst/>
+          </a:prstGeom>
+        </p:spPr>
+        <p:txBody>
+          <a:bodyPr anchorCtr="0" anchor="t" bIns="91425" lIns="91425" spcFirstLastPara="1" rIns="91425" wrap="square" tIns="91425">
+            <a:noAutofit/>
+          </a:bodyPr>
+          <a:lstStyle/>
+          <a:p>
+            <a:pPr indent="0" lvl="0" marL="0" rtl="0" algn="l">
+              <a:spcBef>
+                <a:spcPts val="0"/>
+              </a:spcBef>
+              <a:spcAft>
+                <a:spcPts val="0"/>
+              </a:spcAft>
+              <a:buNone/>
+            </a:pPr>
+            <a:r>
+              <a:t/>
+            </a:r>
+            <a:endParaRPr/>
+          </a:p>
+        </p:txBody>
+      </p:sp>
+    </p:spTree>
+  </p:cSld>
+  <p:clrMapOvr>
+    <a:masterClrMapping/>
+  </p:clrMapOvr>
+</p:notes>
+</file>
+
+<file path=ppt/notesSlides/notesSlide13.xml><?xml version="1.0" encoding="utf-8"?>
+<p:notes xmlns:a="http://schemas.openxmlformats.org/drawingml/2006/main" xmlns:r="http://schemas.openxmlformats.org/officeDocument/2006/relationships" xmlns:mc="http://schemas.openxmlformats.org/markup-compatibility/2006" xmlns:mv="urn:schemas-microsoft-com:mac:vml" xmlns:p="http://schemas.openxmlformats.org/presentationml/2006/main" xmlns:c="http://schemas.openxmlformats.org/drawingml/2006/chart" xmlns:dgm="http://schemas.openxmlformats.org/drawingml/2006/diagram" xmlns:o="urn:schemas-microsoft-com:office:office" xmlns:v="urn:schemas-microsoft-com:vml" xmlns:pvml="urn:schemas-microsoft-com:office:powerpoint" xmlns:com="http://schemas.openxmlformats.org/drawingml/2006/compatibility" xmlns:p14="http://schemas.microsoft.com/office/powerpoint/2010/main" xmlns:p15="http://schemas.microsoft.com/office/powerpoint/2012/main" xmlns:ahyp="http://schemas.microsoft.com/office/drawing/2018/hyperlinkcolor" showMasterPhAnim="0" showMasterSp="0">
+  <p:cSld>
+    <p:spTree>
+      <p:nvGrpSpPr>
+        <p:cNvPr id="139" name="Shape 139"/>
+        <p:cNvGrpSpPr/>
+        <p:nvPr/>
+      </p:nvGrpSpPr>
+      <p:grpSpPr>
+        <a:xfrm>
+          <a:off x="0" y="0"/>
+          <a:ext cx="0" cy="0"/>
+          <a:chOff x="0" y="0"/>
+          <a:chExt cx="0" cy="0"/>
+        </a:xfrm>
+      </p:grpSpPr>
+      <p:sp>
+        <p:nvSpPr>
+          <p:cNvPr id="140" name="Google Shape;140;gb6cd50f35a_0_0:notes"/>
+          <p:cNvSpPr/>
+          <p:nvPr>
+            <p:ph idx="2" type="sldImg"/>
+          </p:nvPr>
+        </p:nvSpPr>
+        <p:spPr>
+          <a:xfrm>
+            <a:off x="381300" y="685800"/>
+            <a:ext cx="6096000" cy="3429000"/>
+          </a:xfrm>
+          <a:custGeom>
+            <a:rect b="b" l="l" r="r" t="t"/>
+            <a:pathLst>
+              <a:path extrusionOk="0" h="120000" w="120000">
+                <a:moveTo>
+                  <a:pt x="0" y="0"/>
+                </a:moveTo>
+                <a:lnTo>
+                  <a:pt x="120000" y="0"/>
+                </a:lnTo>
+                <a:lnTo>
+                  <a:pt x="120000" y="120000"/>
+                </a:lnTo>
+                <a:lnTo>
+                  <a:pt x="0" y="120000"/>
+                </a:lnTo>
+                <a:close/>
+              </a:path>
+            </a:pathLst>
+          </a:custGeom>
+        </p:spPr>
+      </p:sp>
+      <p:sp>
+        <p:nvSpPr>
+          <p:cNvPr id="141" name="Google Shape;141;gb6cd50f35a_0_0:notes"/>
+          <p:cNvSpPr txBox="1"/>
+          <p:nvPr>
+            <p:ph idx="1" type="body"/>
+          </p:nvPr>
+        </p:nvSpPr>
+        <p:spPr>
+          <a:xfrm>
+            <a:off x="685800" y="4343400"/>
+            <a:ext cx="5486400" cy="4114800"/>
+          </a:xfrm>
+          <a:prstGeom prst="rect">
+            <a:avLst/>
+          </a:prstGeom>
+        </p:spPr>
+        <p:txBody>
+          <a:bodyPr anchorCtr="0" anchor="t" bIns="91425" lIns="91425" spcFirstLastPara="1" rIns="91425" wrap="square" tIns="91425">
+            <a:noAutofit/>
+          </a:bodyPr>
+          <a:lstStyle/>
+          <a:p>
+            <a:pPr indent="0" lvl="0" marL="0" rtl="0" algn="l">
+              <a:spcBef>
+                <a:spcPts val="0"/>
+              </a:spcBef>
+              <a:spcAft>
+                <a:spcPts val="0"/>
+              </a:spcAft>
+              <a:buNone/>
+            </a:pPr>
+            <a:r>
+              <a:rPr lang="en"/>
+              <a:t>Potential</a:t>
+            </a:r>
+            <a:r>
+              <a:rPr lang="en"/>
+              <a:t> </a:t>
+            </a:r>
+            <a:r>
+              <a:rPr lang="en"/>
+              <a:t>sale price higher</a:t>
+            </a:r>
+            <a:endParaRPr/>
+          </a:p>
+          <a:p>
+            <a:pPr indent="0" lvl="0" marL="0" rtl="0" algn="l">
+              <a:spcBef>
+                <a:spcPts val="0"/>
+              </a:spcBef>
+              <a:spcAft>
+                <a:spcPts val="0"/>
+              </a:spcAft>
+              <a:buNone/>
+            </a:pPr>
+            <a:r>
+              <a:rPr lang="en"/>
+              <a:t>People plan to renovate hence the </a:t>
+            </a:r>
+            <a:r>
+              <a:rPr lang="en"/>
+              <a:t>existing configuration is less important</a:t>
             </a:r>
             <a:endParaRPr/>
           </a:p>
@@ -1225,7 +1590,7 @@
       </p:grpSpPr>
       <p:sp>
         <p:nvSpPr>
-          <p:cNvPr id="84" name="Google Shape;84;gdfb00a2f7d_0_103:notes"/>
+          <p:cNvPr id="84" name="Google Shape;84;ge05677fd81_0_4:notes"/>
           <p:cNvSpPr/>
           <p:nvPr>
             <p:ph idx="2" type="sldImg"/>
@@ -1260,7 +1625,7 @@
       </p:sp>
       <p:sp>
         <p:nvSpPr>
-          <p:cNvPr id="85" name="Google Shape;85;gdfb00a2f7d_0_103:notes"/>
+          <p:cNvPr id="85" name="Google Shape;85;ge05677fd81_0_4:notes"/>
           <p:cNvSpPr txBox="1"/>
           <p:nvPr>
             <p:ph idx="1" type="body"/>
@@ -1291,28 +1656,7 @@
               <a:buNone/>
             </a:pPr>
             <a:r>
-              <a:rPr lang="en"/>
-              <a:t>Neighborhoods were grouped into 3 groups according to their median price : &lt;= 166 633, </a:t>
-            </a:r>
-            <a:r>
-              <a:rPr lang="en"/>
-              <a:t>&lt;= 240 817, &gt; 240 817.</a:t>
-            </a:r>
-            <a:endParaRPr/>
-          </a:p>
-          <a:p>
-            <a:pPr indent="0" lvl="0" marL="0" rtl="0" algn="l">
-              <a:spcBef>
-                <a:spcPts val="0"/>
-              </a:spcBef>
-              <a:spcAft>
-                <a:spcPts val="0"/>
-              </a:spcAft>
-              <a:buNone/>
-            </a:pPr>
-            <a:r>
-              <a:rPr lang="en"/>
-              <a:t>Dummies variables were created for group 1 and group 2. Group 3 is the reference group</a:t>
+              <a:t/>
             </a:r>
             <a:endParaRPr/>
           </a:p>
@@ -1331,7 +1675,7 @@
   <p:cSld>
     <p:spTree>
       <p:nvGrpSpPr>
-        <p:cNvPr id="89" name="Shape 89"/>
+        <p:cNvPr id="90" name="Shape 90"/>
         <p:cNvGrpSpPr/>
         <p:nvPr/>
       </p:nvGrpSpPr>
@@ -1345,7 +1689,7 @@
       </p:grpSpPr>
       <p:sp>
         <p:nvSpPr>
-          <p:cNvPr id="90" name="Google Shape;90;gdfb00a2f7d_0_112:notes"/>
+          <p:cNvPr id="91" name="Google Shape;91;ge05677fd81_0_16:notes"/>
           <p:cNvSpPr/>
           <p:nvPr>
             <p:ph idx="2" type="sldImg"/>
@@ -1380,7 +1724,7 @@
       </p:sp>
       <p:sp>
         <p:nvSpPr>
-          <p:cNvPr id="91" name="Google Shape;91;gdfb00a2f7d_0_112:notes"/>
+          <p:cNvPr id="92" name="Google Shape;92;ge05677fd81_0_16:notes"/>
           <p:cNvSpPr txBox="1"/>
           <p:nvPr>
             <p:ph idx="1" type="body"/>
@@ -1411,76 +1755,9 @@
               <a:buNone/>
             </a:pPr>
             <a:r>
-              <a:rPr lang="en" sz="1050">
-                <a:solidFill>
-                  <a:schemeClr val="dk1"/>
-                </a:solidFill>
-                <a:highlight>
-                  <a:srgbClr val="FFFFFF"/>
-                </a:highlight>
-              </a:rPr>
-              <a:t>Root mean squared error (RMSE) is the standard deviation of the residuals (prediction errors). Residuals are a measure of how far from the regression line data points are. RMSE is a measure of how spread out these residuals are. It tells you how concentrated the data is around the line of best fit. If residual is 0, RMSE is 0.</a:t>
-            </a:r>
-            <a:endParaRPr sz="1050">
-              <a:solidFill>
-                <a:schemeClr val="dk1"/>
-              </a:solidFill>
-              <a:highlight>
-                <a:srgbClr val="FFFFFF"/>
-              </a:highlight>
-            </a:endParaRPr>
-          </a:p>
-          <a:p>
-            <a:pPr indent="0" lvl="0" marL="0" rtl="0" algn="l">
-              <a:spcBef>
-                <a:spcPts val="0"/>
-              </a:spcBef>
-              <a:spcAft>
-                <a:spcPts val="0"/>
-              </a:spcAft>
-              <a:buNone/>
-            </a:pPr>
-            <a:r>
               <a:t/>
             </a:r>
-            <a:endParaRPr sz="1050">
-              <a:solidFill>
-                <a:schemeClr val="dk1"/>
-              </a:solidFill>
-              <a:highlight>
-                <a:srgbClr val="FFFFFF"/>
-              </a:highlight>
-            </a:endParaRPr>
-          </a:p>
-          <a:p>
-            <a:pPr indent="0" lvl="0" marL="0" rtl="0" algn="l">
-              <a:spcBef>
-                <a:spcPts val="0"/>
-              </a:spcBef>
-              <a:spcAft>
-                <a:spcPts val="0"/>
-              </a:spcAft>
-              <a:buNone/>
-            </a:pPr>
-            <a:r>
-              <a:rPr lang="en" sz="1050">
-                <a:solidFill>
-                  <a:schemeClr val="dk1"/>
-                </a:solidFill>
-                <a:highlight>
-                  <a:srgbClr val="FFFFFF"/>
-                </a:highlight>
-              </a:rPr>
-              <a:t>Root mean squared errors for cross validation and for residuals are similar across all 4 models. By using 5-fold cross validation, it allows to train and test the models 5 times of different subsets of training data and build up an estimate of the performance of the model on unseen data. By comparing the cross validation scores across the models, lasso and elastic net showed the same and best score. The final re-trained lasso model was used to predict the new test set and saved as a csv file under the datasets folder.</a:t>
-            </a:r>
-            <a:endParaRPr sz="1050">
-              <a:solidFill>
-                <a:schemeClr val="dk1"/>
-              </a:solidFill>
-              <a:highlight>
-                <a:srgbClr val="FFFFFF"/>
-              </a:highlight>
-            </a:endParaRPr>
+            <a:endParaRPr/>
           </a:p>
         </p:txBody>
       </p:sp>
@@ -1497,7 +1774,7 @@
   <p:cSld>
     <p:spTree>
       <p:nvGrpSpPr>
-        <p:cNvPr id="98" name="Shape 98"/>
+        <p:cNvPr id="96" name="Shape 96"/>
         <p:cNvGrpSpPr/>
         <p:nvPr/>
       </p:nvGrpSpPr>
@@ -1511,7 +1788,7 @@
       </p:grpSpPr>
       <p:sp>
         <p:nvSpPr>
-          <p:cNvPr id="99" name="Google Shape;99;gdfb00a2f7d_0_90:notes"/>
+          <p:cNvPr id="97" name="Google Shape;97;ge05677fd81_0_22:notes"/>
           <p:cNvSpPr/>
           <p:nvPr>
             <p:ph idx="2" type="sldImg"/>
@@ -1546,7 +1823,7 @@
       </p:sp>
       <p:sp>
         <p:nvSpPr>
-          <p:cNvPr id="100" name="Google Shape;100;gdfb00a2f7d_0_90:notes"/>
+          <p:cNvPr id="98" name="Google Shape;98;ge05677fd81_0_22:notes"/>
           <p:cNvSpPr txBox="1"/>
           <p:nvPr>
             <p:ph idx="1" type="body"/>
@@ -1568,54 +1845,18 @@
           <a:lstStyle/>
           <a:p>
             <a:pPr indent="0" lvl="0" marL="0" rtl="0" algn="l">
-              <a:lnSpc>
-                <a:spcPct val="115000"/>
-              </a:lnSpc>
-              <a:spcBef>
-                <a:spcPts val="0"/>
-              </a:spcBef>
-              <a:spcAft>
-                <a:spcPts val="1200"/>
-              </a:spcAft>
-              <a:buClr>
-                <a:schemeClr val="dk1"/>
-              </a:buClr>
-              <a:buSzPts val="1100"/>
-              <a:buFont typeface="Arial"/>
+              <a:spcBef>
+                <a:spcPts val="0"/>
+              </a:spcBef>
+              <a:spcAft>
+                <a:spcPts val="0"/>
+              </a:spcAft>
               <a:buNone/>
             </a:pPr>
             <a:r>
-              <a:rPr lang="en" sz="900">
-                <a:solidFill>
-                  <a:srgbClr val="5E696C"/>
-                </a:solidFill>
-                <a:latin typeface="Lato"/>
-                <a:ea typeface="Lato"/>
-                <a:cs typeface="Lato"/>
-                <a:sym typeface="Lato"/>
-              </a:rPr>
-              <a:t>Neighborhoods were found to have the largest coefficients and hence, the greatest impact on sale price, followed by grade living area and then overall quality. The negative coefficients of numerical features may be due to their poorer correlation to sale price compared to the rest of the features. </a:t>
+              <a:t/>
             </a:r>
-            <a:r>
-              <a:rPr lang="en" sz="850">
-                <a:solidFill>
-                  <a:schemeClr val="dk1"/>
-                </a:solidFill>
-                <a:highlight>
-                  <a:srgbClr val="FFFFFF"/>
-                </a:highlight>
-              </a:rPr>
-              <a:t>Coefficients for "neigh_group1" and "neigh_group2" are negative because they are relative to the "neigh_group3" (reference group, consisting of neighborhoods that are in the highest range of sale price). Houses in "neigh_group1" have the lowest median price and hence has the most negative coefficient of the 3 neighborhood groups. Houses in "neigh_group2" have the next lowest median price, resulting in a coefficient that is between that of "neigh_group1" and 0.</a:t>
-            </a:r>
-            <a:endParaRPr sz="1600">
-              <a:solidFill>
-                <a:srgbClr val="5E696C"/>
-              </a:solidFill>
-              <a:latin typeface="Lato"/>
-              <a:ea typeface="Lato"/>
-              <a:cs typeface="Lato"/>
-              <a:sym typeface="Lato"/>
-            </a:endParaRPr>
+            <a:endParaRPr/>
           </a:p>
         </p:txBody>
       </p:sp>
@@ -1632,7 +1873,7 @@
   <p:cSld>
     <p:spTree>
       <p:nvGrpSpPr>
-        <p:cNvPr id="107" name="Shape 107"/>
+        <p:cNvPr id="102" name="Shape 102"/>
         <p:cNvGrpSpPr/>
         <p:nvPr/>
       </p:nvGrpSpPr>
@@ -1646,7 +1887,7 @@
       </p:grpSpPr>
       <p:sp>
         <p:nvSpPr>
-          <p:cNvPr id="108" name="Google Shape;108;gdfb00a2f7d_0_72:notes"/>
+          <p:cNvPr id="103" name="Google Shape;103;gdfb00a2f7d_0_103:notes"/>
           <p:cNvSpPr/>
           <p:nvPr>
             <p:ph idx="2" type="sldImg"/>
@@ -1681,7 +1922,7 @@
       </p:sp>
       <p:sp>
         <p:nvSpPr>
-          <p:cNvPr id="109" name="Google Shape;109;gdfb00a2f7d_0_72:notes"/>
+          <p:cNvPr id="104" name="Google Shape;104;gdfb00a2f7d_0_103:notes"/>
           <p:cNvSpPr txBox="1"/>
           <p:nvPr>
             <p:ph idx="1" type="body"/>
@@ -1712,7 +1953,28 @@
               <a:buNone/>
             </a:pPr>
             <a:r>
-              <a:t/>
+              <a:rPr lang="en"/>
+              <a:t>Neighborhoods were grouped into 3 groups according to their median price : &lt;= 166 633, </a:t>
+            </a:r>
+            <a:r>
+              <a:rPr lang="en"/>
+              <a:t>&lt;= 240 817, &gt; 240 817.</a:t>
+            </a:r>
+            <a:endParaRPr/>
+          </a:p>
+          <a:p>
+            <a:pPr indent="0" lvl="0" marL="0" rtl="0" algn="l">
+              <a:spcBef>
+                <a:spcPts val="0"/>
+              </a:spcBef>
+              <a:spcAft>
+                <a:spcPts val="0"/>
+              </a:spcAft>
+              <a:buNone/>
+            </a:pPr>
+            <a:r>
+              <a:rPr lang="en"/>
+              <a:t>Dummies variables were created for group 1 and group 2. Group 3 is the reference group</a:t>
             </a:r>
             <a:endParaRPr/>
           </a:p>
@@ -1731,7 +1993,7 @@
   <p:cSld>
     <p:spTree>
       <p:nvGrpSpPr>
-        <p:cNvPr id="113" name="Shape 113"/>
+        <p:cNvPr id="108" name="Shape 108"/>
         <p:cNvGrpSpPr/>
         <p:nvPr/>
       </p:nvGrpSpPr>
@@ -1745,7 +2007,7 @@
       </p:grpSpPr>
       <p:sp>
         <p:nvSpPr>
-          <p:cNvPr id="114" name="Google Shape;114;gdfb00a2f7d_0_67:notes"/>
+          <p:cNvPr id="109" name="Google Shape;109;gdfb00a2f7d_0_112:notes"/>
           <p:cNvSpPr/>
           <p:nvPr>
             <p:ph idx="2" type="sldImg"/>
@@ -1780,7 +2042,7 @@
       </p:sp>
       <p:sp>
         <p:nvSpPr>
-          <p:cNvPr id="115" name="Google Shape;115;gdfb00a2f7d_0_67:notes"/>
+          <p:cNvPr id="110" name="Google Shape;110;gdfb00a2f7d_0_112:notes"/>
           <p:cNvSpPr txBox="1"/>
           <p:nvPr>
             <p:ph idx="1" type="body"/>
@@ -1811,9 +2073,76 @@
               <a:buNone/>
             </a:pPr>
             <a:r>
+              <a:rPr lang="en" sz="1050">
+                <a:solidFill>
+                  <a:schemeClr val="dk1"/>
+                </a:solidFill>
+                <a:highlight>
+                  <a:srgbClr val="FFFFFF"/>
+                </a:highlight>
+              </a:rPr>
+              <a:t>Root mean squared error (RMSE) is the standard deviation of the residuals (prediction errors). Residuals are a measure of how far from the regression line data points are. RMSE is a measure of how spread out these residuals are. It tells you how concentrated the data is around the line of best fit. If residual is 0, RMSE is 0.</a:t>
+            </a:r>
+            <a:endParaRPr sz="1050">
+              <a:solidFill>
+                <a:schemeClr val="dk1"/>
+              </a:solidFill>
+              <a:highlight>
+                <a:srgbClr val="FFFFFF"/>
+              </a:highlight>
+            </a:endParaRPr>
+          </a:p>
+          <a:p>
+            <a:pPr indent="0" lvl="0" marL="0" rtl="0" algn="l">
+              <a:spcBef>
+                <a:spcPts val="0"/>
+              </a:spcBef>
+              <a:spcAft>
+                <a:spcPts val="0"/>
+              </a:spcAft>
+              <a:buNone/>
+            </a:pPr>
+            <a:r>
               <a:t/>
             </a:r>
-            <a:endParaRPr/>
+            <a:endParaRPr sz="1050">
+              <a:solidFill>
+                <a:schemeClr val="dk1"/>
+              </a:solidFill>
+              <a:highlight>
+                <a:srgbClr val="FFFFFF"/>
+              </a:highlight>
+            </a:endParaRPr>
+          </a:p>
+          <a:p>
+            <a:pPr indent="0" lvl="0" marL="0" rtl="0" algn="l">
+              <a:spcBef>
+                <a:spcPts val="0"/>
+              </a:spcBef>
+              <a:spcAft>
+                <a:spcPts val="0"/>
+              </a:spcAft>
+              <a:buNone/>
+            </a:pPr>
+            <a:r>
+              <a:rPr lang="en" sz="1050">
+                <a:solidFill>
+                  <a:schemeClr val="dk1"/>
+                </a:solidFill>
+                <a:highlight>
+                  <a:srgbClr val="FFFFFF"/>
+                </a:highlight>
+              </a:rPr>
+              <a:t>Root mean squared errors for cross validation and for residuals are similar across all 4 models. By using 5-fold cross validation, it allows to train and test the models 5 times of different subsets of training data and build up an estimate of the performance of the model on unseen data. By comparing the cross validation scores across the models, lasso and elastic net showed the same and best score. The final re-trained lasso model was used to predict the new test set and saved as a csv file under the datasets folder.</a:t>
+            </a:r>
+            <a:endParaRPr sz="1050">
+              <a:solidFill>
+                <a:schemeClr val="dk1"/>
+              </a:solidFill>
+              <a:highlight>
+                <a:srgbClr val="FFFFFF"/>
+              </a:highlight>
+            </a:endParaRPr>
           </a:p>
         </p:txBody>
       </p:sp>
@@ -7583,7 +7912,7 @@
   <p:cSld>
     <p:spTree>
       <p:nvGrpSpPr>
-        <p:cNvPr id="123" name="Shape 123"/>
+        <p:cNvPr id="120" name="Shape 120"/>
         <p:cNvGrpSpPr/>
         <p:nvPr/>
       </p:nvGrpSpPr>
@@ -7597,7 +7926,631 @@
       </p:grpSpPr>
       <p:sp>
         <p:nvSpPr>
+          <p:cNvPr id="121" name="Google Shape;121;p22"/>
+          <p:cNvSpPr txBox="1"/>
+          <p:nvPr>
+            <p:ph idx="1" type="body"/>
+          </p:nvPr>
+        </p:nvSpPr>
+        <p:spPr>
+          <a:xfrm>
+            <a:off x="142500" y="4330675"/>
+            <a:ext cx="8859000" cy="626100"/>
+          </a:xfrm>
+          <a:prstGeom prst="rect">
+            <a:avLst/>
+          </a:prstGeom>
+        </p:spPr>
+        <p:txBody>
+          <a:bodyPr anchorCtr="0" anchor="t" bIns="91425" lIns="91425" spcFirstLastPara="1" rIns="91425" wrap="square" tIns="91425">
+            <a:normAutofit lnSpcReduction="10000"/>
+          </a:bodyPr>
+          <a:lstStyle/>
+          <a:p>
+            <a:pPr indent="0" lvl="0" marL="0" rtl="0" algn="l">
+              <a:lnSpc>
+                <a:spcPct val="115000"/>
+              </a:lnSpc>
+              <a:spcBef>
+                <a:spcPts val="0"/>
+              </a:spcBef>
+              <a:spcAft>
+                <a:spcPts val="1200"/>
+              </a:spcAft>
+              <a:buNone/>
+            </a:pPr>
+            <a:r>
+              <a:rPr lang="en" sz="1400">
+                <a:solidFill>
+                  <a:srgbClr val="24292E"/>
+                </a:solidFill>
+              </a:rPr>
+              <a:t>Sale price = -5961.6 * X1 + 7894.7 * X2 - -2362.8 * X3 + 8364.6 * X5 + 6407.8 * X6 + 10009.4 * X7 + 9276.1 * X8 + 24020.8 * X10 + 20866.4 * X11 - 38530.1 * X12 - 31538.0 * X13</a:t>
+            </a:r>
+            <a:endParaRPr sz="1400">
+              <a:solidFill>
+                <a:srgbClr val="24292E"/>
+              </a:solidFill>
+            </a:endParaRPr>
+          </a:p>
+        </p:txBody>
+      </p:sp>
+      <p:pic>
+        <p:nvPicPr>
+          <p:cNvPr id="122" name="Google Shape;122;p22"/>
+          <p:cNvPicPr preferRelativeResize="0"/>
+          <p:nvPr/>
+        </p:nvPicPr>
+        <p:blipFill>
+          <a:blip r:embed="rId3">
+            <a:alphaModFix/>
+          </a:blip>
+          <a:stretch>
+            <a:fillRect/>
+          </a:stretch>
+        </p:blipFill>
+        <p:spPr>
+          <a:xfrm>
+            <a:off x="142500" y="62325"/>
+            <a:ext cx="8859001" cy="4268350"/>
+          </a:xfrm>
+          <a:prstGeom prst="rect">
+            <a:avLst/>
+          </a:prstGeom>
+          <a:noFill/>
+          <a:ln>
+            <a:noFill/>
+          </a:ln>
+        </p:spPr>
+      </p:pic>
+      <p:sp>
+        <p:nvSpPr>
+          <p:cNvPr id="123" name="Google Shape;123;p22"/>
+          <p:cNvSpPr txBox="1"/>
+          <p:nvPr/>
+        </p:nvSpPr>
+        <p:spPr>
+          <a:xfrm>
+            <a:off x="6429825" y="1796400"/>
+            <a:ext cx="522000" cy="461700"/>
+          </a:xfrm>
+          <a:prstGeom prst="rect">
+            <a:avLst/>
+          </a:prstGeom>
+          <a:solidFill>
+            <a:srgbClr val="FFFF00"/>
+          </a:solidFill>
+          <a:ln>
+            <a:noFill/>
+          </a:ln>
+        </p:spPr>
+        <p:txBody>
+          <a:bodyPr anchorCtr="0" anchor="t" bIns="91425" lIns="91425" spcFirstLastPara="1" rIns="91425" wrap="square" tIns="91425">
+            <a:spAutoFit/>
+          </a:bodyPr>
+          <a:lstStyle/>
+          <a:p>
+            <a:pPr indent="0" lvl="0" marL="0" rtl="0" algn="ctr">
+              <a:spcBef>
+                <a:spcPts val="0"/>
+              </a:spcBef>
+              <a:spcAft>
+                <a:spcPts val="0"/>
+              </a:spcAft>
+              <a:buNone/>
+            </a:pPr>
+            <a:r>
+              <a:rPr b="1" lang="en" sz="1800">
+                <a:solidFill>
+                  <a:srgbClr val="FF0000"/>
+                </a:solidFill>
+                <a:latin typeface="Lato"/>
+                <a:ea typeface="Lato"/>
+                <a:cs typeface="Lato"/>
+                <a:sym typeface="Lato"/>
+              </a:rPr>
+              <a:t>2</a:t>
+            </a:r>
+            <a:endParaRPr b="1" sz="1800">
+              <a:solidFill>
+                <a:srgbClr val="FF0000"/>
+              </a:solidFill>
+              <a:latin typeface="Lato"/>
+              <a:ea typeface="Lato"/>
+              <a:cs typeface="Lato"/>
+              <a:sym typeface="Lato"/>
+            </a:endParaRPr>
+          </a:p>
+        </p:txBody>
+      </p:sp>
+      <p:sp>
+        <p:nvSpPr>
           <p:cNvPr id="124" name="Google Shape;124;p22"/>
+          <p:cNvSpPr txBox="1"/>
+          <p:nvPr/>
+        </p:nvSpPr>
+        <p:spPr>
+          <a:xfrm>
+            <a:off x="8013525" y="950800"/>
+            <a:ext cx="522000" cy="461700"/>
+          </a:xfrm>
+          <a:prstGeom prst="rect">
+            <a:avLst/>
+          </a:prstGeom>
+          <a:solidFill>
+            <a:srgbClr val="FFFF00"/>
+          </a:solidFill>
+          <a:ln>
+            <a:noFill/>
+          </a:ln>
+        </p:spPr>
+        <p:txBody>
+          <a:bodyPr anchorCtr="0" anchor="t" bIns="91425" lIns="91425" spcFirstLastPara="1" rIns="91425" wrap="square" tIns="91425">
+            <a:spAutoFit/>
+          </a:bodyPr>
+          <a:lstStyle/>
+          <a:p>
+            <a:pPr indent="0" lvl="0" marL="0" rtl="0" algn="ctr">
+              <a:spcBef>
+                <a:spcPts val="0"/>
+              </a:spcBef>
+              <a:spcAft>
+                <a:spcPts val="0"/>
+              </a:spcAft>
+              <a:buNone/>
+            </a:pPr>
+            <a:r>
+              <a:rPr b="1" lang="en" sz="1800">
+                <a:solidFill>
+                  <a:srgbClr val="FF0000"/>
+                </a:solidFill>
+                <a:latin typeface="Lato"/>
+                <a:ea typeface="Lato"/>
+                <a:cs typeface="Lato"/>
+                <a:sym typeface="Lato"/>
+              </a:rPr>
+              <a:t>1</a:t>
+            </a:r>
+            <a:endParaRPr b="1" sz="1800">
+              <a:solidFill>
+                <a:srgbClr val="FF0000"/>
+              </a:solidFill>
+              <a:latin typeface="Lato"/>
+              <a:ea typeface="Lato"/>
+              <a:cs typeface="Lato"/>
+              <a:sym typeface="Lato"/>
+            </a:endParaRPr>
+          </a:p>
+        </p:txBody>
+      </p:sp>
+      <p:sp>
+        <p:nvSpPr>
+          <p:cNvPr id="125" name="Google Shape;125;p22"/>
+          <p:cNvSpPr txBox="1"/>
+          <p:nvPr/>
+        </p:nvSpPr>
+        <p:spPr>
+          <a:xfrm>
+            <a:off x="7121875" y="1796400"/>
+            <a:ext cx="522000" cy="461700"/>
+          </a:xfrm>
+          <a:prstGeom prst="rect">
+            <a:avLst/>
+          </a:prstGeom>
+          <a:solidFill>
+            <a:srgbClr val="FFFF00"/>
+          </a:solidFill>
+          <a:ln>
+            <a:noFill/>
+          </a:ln>
+        </p:spPr>
+        <p:txBody>
+          <a:bodyPr anchorCtr="0" anchor="t" bIns="91425" lIns="91425" spcFirstLastPara="1" rIns="91425" wrap="square" tIns="91425">
+            <a:spAutoFit/>
+          </a:bodyPr>
+          <a:lstStyle/>
+          <a:p>
+            <a:pPr indent="0" lvl="0" marL="0" rtl="0" algn="ctr">
+              <a:spcBef>
+                <a:spcPts val="0"/>
+              </a:spcBef>
+              <a:spcAft>
+                <a:spcPts val="0"/>
+              </a:spcAft>
+              <a:buNone/>
+            </a:pPr>
+            <a:r>
+              <a:rPr b="1" lang="en" sz="1800">
+                <a:solidFill>
+                  <a:srgbClr val="FF0000"/>
+                </a:solidFill>
+                <a:latin typeface="Lato"/>
+                <a:ea typeface="Lato"/>
+                <a:cs typeface="Lato"/>
+                <a:sym typeface="Lato"/>
+              </a:rPr>
+              <a:t>3</a:t>
+            </a:r>
+            <a:endParaRPr b="1" sz="1800">
+              <a:solidFill>
+                <a:srgbClr val="FF0000"/>
+              </a:solidFill>
+              <a:latin typeface="Lato"/>
+              <a:ea typeface="Lato"/>
+              <a:cs typeface="Lato"/>
+              <a:sym typeface="Lato"/>
+            </a:endParaRPr>
+          </a:p>
+        </p:txBody>
+      </p:sp>
+    </p:spTree>
+  </p:cSld>
+  <p:clrMapOvr>
+    <a:masterClrMapping/>
+  </p:clrMapOvr>
+</p:sld>
+</file>
+
+<file path=ppt/slides/slide11.xml><?xml version="1.0" encoding="utf-8"?>
+<p:sld xmlns:a="http://schemas.openxmlformats.org/drawingml/2006/main" xmlns:r="http://schemas.openxmlformats.org/officeDocument/2006/relationships" xmlns:mc="http://schemas.openxmlformats.org/markup-compatibility/2006" xmlns:mv="urn:schemas-microsoft-com:mac:vml" xmlns:p="http://schemas.openxmlformats.org/presentationml/2006/main" xmlns:c="http://schemas.openxmlformats.org/drawingml/2006/chart" xmlns:dgm="http://schemas.openxmlformats.org/drawingml/2006/diagram" xmlns:o="urn:schemas-microsoft-com:office:office" xmlns:v="urn:schemas-microsoft-com:vml" xmlns:pvml="urn:schemas-microsoft-com:office:powerpoint" xmlns:com="http://schemas.openxmlformats.org/drawingml/2006/compatibility" xmlns:p14="http://schemas.microsoft.com/office/powerpoint/2010/main" xmlns:p15="http://schemas.microsoft.com/office/powerpoint/2012/main" xmlns:ahyp="http://schemas.microsoft.com/office/drawing/2018/hyperlinkcolor">
+  <p:cSld>
+    <p:spTree>
+      <p:nvGrpSpPr>
+        <p:cNvPr id="129" name="Shape 129"/>
+        <p:cNvGrpSpPr/>
+        <p:nvPr/>
+      </p:nvGrpSpPr>
+      <p:grpSpPr>
+        <a:xfrm>
+          <a:off x="0" y="0"/>
+          <a:ext cx="0" cy="0"/>
+          <a:chOff x="0" y="0"/>
+          <a:chExt cx="0" cy="0"/>
+        </a:xfrm>
+      </p:grpSpPr>
+      <p:sp>
+        <p:nvSpPr>
+          <p:cNvPr id="130" name="Google Shape;130;p23"/>
+          <p:cNvSpPr txBox="1"/>
+          <p:nvPr>
+            <p:ph type="title"/>
+          </p:nvPr>
+        </p:nvSpPr>
+        <p:spPr>
+          <a:xfrm>
+            <a:off x="311700" y="187825"/>
+            <a:ext cx="8520600" cy="626100"/>
+          </a:xfrm>
+          <a:prstGeom prst="rect">
+            <a:avLst/>
+          </a:prstGeom>
+        </p:spPr>
+        <p:txBody>
+          <a:bodyPr anchorCtr="0" anchor="t" bIns="91425" lIns="91425" spcFirstLastPara="1" rIns="91425" wrap="square" tIns="91425">
+            <a:normAutofit fontScale="90000"/>
+          </a:bodyPr>
+          <a:lstStyle/>
+          <a:p>
+            <a:pPr indent="0" lvl="0" marL="0" rtl="0" algn="l">
+              <a:spcBef>
+                <a:spcPts val="0"/>
+              </a:spcBef>
+              <a:spcAft>
+                <a:spcPts val="0"/>
+              </a:spcAft>
+              <a:buNone/>
+            </a:pPr>
+            <a:r>
+              <a:rPr lang="en"/>
+              <a:t>Submission to Kaggle</a:t>
+            </a:r>
+            <a:endParaRPr/>
+          </a:p>
+        </p:txBody>
+      </p:sp>
+      <p:pic>
+        <p:nvPicPr>
+          <p:cNvPr id="131" name="Google Shape;131;p23"/>
+          <p:cNvPicPr preferRelativeResize="0"/>
+          <p:nvPr/>
+        </p:nvPicPr>
+        <p:blipFill>
+          <a:blip r:embed="rId3">
+            <a:alphaModFix/>
+          </a:blip>
+          <a:stretch>
+            <a:fillRect/>
+          </a:stretch>
+        </p:blipFill>
+        <p:spPr>
+          <a:xfrm>
+            <a:off x="419725" y="962100"/>
+            <a:ext cx="8308275" cy="3967575"/>
+          </a:xfrm>
+          <a:prstGeom prst="rect">
+            <a:avLst/>
+          </a:prstGeom>
+          <a:noFill/>
+          <a:ln>
+            <a:noFill/>
+          </a:ln>
+        </p:spPr>
+      </p:pic>
+    </p:spTree>
+  </p:cSld>
+  <p:clrMapOvr>
+    <a:masterClrMapping/>
+  </p:clrMapOvr>
+</p:sld>
+</file>
+
+<file path=ppt/slides/slide12.xml><?xml version="1.0" encoding="utf-8"?>
+<p:sld xmlns:a="http://schemas.openxmlformats.org/drawingml/2006/main" xmlns:r="http://schemas.openxmlformats.org/officeDocument/2006/relationships" xmlns:mc="http://schemas.openxmlformats.org/markup-compatibility/2006" xmlns:mv="urn:schemas-microsoft-com:mac:vml" xmlns:p="http://schemas.openxmlformats.org/presentationml/2006/main" xmlns:c="http://schemas.openxmlformats.org/drawingml/2006/chart" xmlns:dgm="http://schemas.openxmlformats.org/drawingml/2006/diagram" xmlns:o="urn:schemas-microsoft-com:office:office" xmlns:v="urn:schemas-microsoft-com:vml" xmlns:pvml="urn:schemas-microsoft-com:office:powerpoint" xmlns:com="http://schemas.openxmlformats.org/drawingml/2006/compatibility" xmlns:p14="http://schemas.microsoft.com/office/powerpoint/2010/main" xmlns:p15="http://schemas.microsoft.com/office/powerpoint/2012/main" xmlns:ahyp="http://schemas.microsoft.com/office/drawing/2018/hyperlinkcolor">
+  <p:cSld>
+    <p:spTree>
+      <p:nvGrpSpPr>
+        <p:cNvPr id="135" name="Shape 135"/>
+        <p:cNvGrpSpPr/>
+        <p:nvPr/>
+      </p:nvGrpSpPr>
+      <p:grpSpPr>
+        <a:xfrm>
+          <a:off x="0" y="0"/>
+          <a:ext cx="0" cy="0"/>
+          <a:chOff x="0" y="0"/>
+          <a:chExt cx="0" cy="0"/>
+        </a:xfrm>
+      </p:grpSpPr>
+      <p:sp>
+        <p:nvSpPr>
+          <p:cNvPr id="136" name="Google Shape;136;p24"/>
+          <p:cNvSpPr txBox="1"/>
+          <p:nvPr>
+            <p:ph type="title"/>
+          </p:nvPr>
+        </p:nvSpPr>
+        <p:spPr>
+          <a:xfrm>
+            <a:off x="311700" y="106300"/>
+            <a:ext cx="8520600" cy="626100"/>
+          </a:xfrm>
+          <a:prstGeom prst="rect">
+            <a:avLst/>
+          </a:prstGeom>
+        </p:spPr>
+        <p:txBody>
+          <a:bodyPr anchorCtr="0" anchor="t" bIns="91425" lIns="91425" spcFirstLastPara="1" rIns="91425" wrap="square" tIns="91425">
+            <a:normAutofit fontScale="90000"/>
+          </a:bodyPr>
+          <a:lstStyle/>
+          <a:p>
+            <a:pPr indent="0" lvl="0" marL="0" rtl="0" algn="l">
+              <a:spcBef>
+                <a:spcPts val="0"/>
+              </a:spcBef>
+              <a:spcAft>
+                <a:spcPts val="0"/>
+              </a:spcAft>
+              <a:buNone/>
+            </a:pPr>
+            <a:r>
+              <a:rPr lang="en"/>
+              <a:t>Conclusions and Limitations</a:t>
+            </a:r>
+            <a:endParaRPr/>
+          </a:p>
+        </p:txBody>
+      </p:sp>
+      <p:sp>
+        <p:nvSpPr>
+          <p:cNvPr id="137" name="Google Shape;137;p24"/>
+          <p:cNvSpPr txBox="1"/>
+          <p:nvPr>
+            <p:ph idx="1" type="body"/>
+          </p:nvPr>
+        </p:nvSpPr>
+        <p:spPr>
+          <a:xfrm>
+            <a:off x="311700" y="913325"/>
+            <a:ext cx="8520600" cy="1991400"/>
+          </a:xfrm>
+          <a:prstGeom prst="rect">
+            <a:avLst/>
+          </a:prstGeom>
+        </p:spPr>
+        <p:txBody>
+          <a:bodyPr anchorCtr="0" anchor="t" bIns="91425" lIns="91425" spcFirstLastPara="1" rIns="91425" wrap="square" tIns="91425">
+            <a:normAutofit/>
+          </a:bodyPr>
+          <a:lstStyle/>
+          <a:p>
+            <a:pPr indent="-349250" lvl="0" marL="457200" rtl="0" algn="l">
+              <a:lnSpc>
+                <a:spcPct val="150000"/>
+              </a:lnSpc>
+              <a:spcBef>
+                <a:spcPts val="0"/>
+              </a:spcBef>
+              <a:spcAft>
+                <a:spcPts val="0"/>
+              </a:spcAft>
+              <a:buSzPts val="1900"/>
+              <a:buChar char="-"/>
+            </a:pPr>
+            <a:r>
+              <a:rPr lang="en" sz="1900"/>
+              <a:t>RMSE for all models are similar and do not differ greatly.</a:t>
+            </a:r>
+            <a:endParaRPr sz="1900"/>
+          </a:p>
+          <a:p>
+            <a:pPr indent="-349250" lvl="0" marL="457200" rtl="0" algn="l">
+              <a:lnSpc>
+                <a:spcPct val="150000"/>
+              </a:lnSpc>
+              <a:spcBef>
+                <a:spcPts val="0"/>
+              </a:spcBef>
+              <a:spcAft>
+                <a:spcPts val="0"/>
+              </a:spcAft>
+              <a:buSzPts val="1900"/>
+              <a:buChar char="-"/>
+            </a:pPr>
+            <a:r>
+              <a:rPr lang="en" sz="1900"/>
+              <a:t>Any of them can be used to understand the relationship between the features and sale price.</a:t>
+            </a:r>
+            <a:endParaRPr sz="1900"/>
+          </a:p>
+          <a:p>
+            <a:pPr indent="-349250" lvl="0" marL="457200" rtl="0" algn="l">
+              <a:lnSpc>
+                <a:spcPct val="150000"/>
+              </a:lnSpc>
+              <a:spcBef>
+                <a:spcPts val="0"/>
+              </a:spcBef>
+              <a:spcAft>
+                <a:spcPts val="0"/>
+              </a:spcAft>
+              <a:buSzPts val="1900"/>
+              <a:buChar char="-"/>
+            </a:pPr>
+            <a:r>
+              <a:rPr lang="en" sz="1900"/>
+              <a:t>Best model for prediction is lasso linear regression.</a:t>
+            </a:r>
+            <a:endParaRPr sz="1900"/>
+          </a:p>
+        </p:txBody>
+      </p:sp>
+      <p:sp>
+        <p:nvSpPr>
+          <p:cNvPr id="138" name="Google Shape;138;p24"/>
+          <p:cNvSpPr txBox="1"/>
+          <p:nvPr>
+            <p:ph idx="1" type="body"/>
+          </p:nvPr>
+        </p:nvSpPr>
+        <p:spPr>
+          <a:xfrm>
+            <a:off x="311700" y="3055425"/>
+            <a:ext cx="8520600" cy="1667100"/>
+          </a:xfrm>
+          <a:prstGeom prst="rect">
+            <a:avLst/>
+          </a:prstGeom>
+          <a:solidFill>
+            <a:srgbClr val="F4CCCC"/>
+          </a:solidFill>
+          <a:ln cap="flat" cmpd="sng" w="9525">
+            <a:solidFill>
+              <a:srgbClr val="000000"/>
+            </a:solidFill>
+            <a:prstDash val="solid"/>
+            <a:round/>
+            <a:headEnd len="sm" w="sm" type="none"/>
+            <a:tailEnd len="sm" w="sm" type="none"/>
+          </a:ln>
+        </p:spPr>
+        <p:txBody>
+          <a:bodyPr anchorCtr="0" anchor="t" bIns="91425" lIns="91425" spcFirstLastPara="1" rIns="91425" wrap="square" tIns="91425">
+            <a:normAutofit lnSpcReduction="10000"/>
+          </a:bodyPr>
+          <a:lstStyle/>
+          <a:p>
+            <a:pPr indent="-342900" lvl="0" marL="457200" rtl="0" algn="l">
+              <a:lnSpc>
+                <a:spcPct val="150000"/>
+              </a:lnSpc>
+              <a:spcBef>
+                <a:spcPts val="0"/>
+              </a:spcBef>
+              <a:spcAft>
+                <a:spcPts val="0"/>
+              </a:spcAft>
+              <a:buClr>
+                <a:srgbClr val="24292E"/>
+              </a:buClr>
+              <a:buSzPts val="1800"/>
+              <a:buAutoNum type="arabicParenR"/>
+            </a:pPr>
+            <a:r>
+              <a:rPr lang="en">
+                <a:solidFill>
+                  <a:srgbClr val="24292E"/>
+                </a:solidFill>
+              </a:rPr>
+              <a:t>Limited to houses located in neighborhoods that exist in the original training dataset.</a:t>
+            </a:r>
+            <a:endParaRPr>
+              <a:solidFill>
+                <a:srgbClr val="24292E"/>
+              </a:solidFill>
+            </a:endParaRPr>
+          </a:p>
+          <a:p>
+            <a:pPr indent="-342900" lvl="0" marL="457200" rtl="0" algn="l">
+              <a:lnSpc>
+                <a:spcPct val="150000"/>
+              </a:lnSpc>
+              <a:spcBef>
+                <a:spcPts val="0"/>
+              </a:spcBef>
+              <a:spcAft>
+                <a:spcPts val="0"/>
+              </a:spcAft>
+              <a:buClr>
+                <a:srgbClr val="24292E"/>
+              </a:buClr>
+              <a:buSzPts val="1800"/>
+              <a:buAutoNum type="arabicParenR"/>
+            </a:pPr>
+            <a:r>
+              <a:rPr lang="en">
+                <a:solidFill>
+                  <a:srgbClr val="24292E"/>
+                </a:solidFill>
+              </a:rPr>
+              <a:t>Limited to data provided in the same format as the original training dataset, where compulsory variables are used in the model.</a:t>
+            </a:r>
+            <a:endParaRPr>
+              <a:solidFill>
+                <a:srgbClr val="24292E"/>
+              </a:solidFill>
+            </a:endParaRPr>
+          </a:p>
+        </p:txBody>
+      </p:sp>
+    </p:spTree>
+  </p:cSld>
+  <p:clrMapOvr>
+    <a:masterClrMapping/>
+  </p:clrMapOvr>
+</p:sld>
+</file>
+
+<file path=ppt/slides/slide13.xml><?xml version="1.0" encoding="utf-8"?>
+<p:sld xmlns:a="http://schemas.openxmlformats.org/drawingml/2006/main" xmlns:r="http://schemas.openxmlformats.org/officeDocument/2006/relationships" xmlns:mc="http://schemas.openxmlformats.org/markup-compatibility/2006" xmlns:mv="urn:schemas-microsoft-com:mac:vml" xmlns:p="http://schemas.openxmlformats.org/presentationml/2006/main" xmlns:c="http://schemas.openxmlformats.org/drawingml/2006/chart" xmlns:dgm="http://schemas.openxmlformats.org/drawingml/2006/diagram" xmlns:o="urn:schemas-microsoft-com:office:office" xmlns:v="urn:schemas-microsoft-com:vml" xmlns:pvml="urn:schemas-microsoft-com:office:powerpoint" xmlns:com="http://schemas.openxmlformats.org/drawingml/2006/compatibility" xmlns:p14="http://schemas.microsoft.com/office/powerpoint/2010/main" xmlns:p15="http://schemas.microsoft.com/office/powerpoint/2012/main" xmlns:ahyp="http://schemas.microsoft.com/office/drawing/2018/hyperlinkcolor">
+  <p:cSld>
+    <p:spTree>
+      <p:nvGrpSpPr>
+        <p:cNvPr id="142" name="Shape 142"/>
+        <p:cNvGrpSpPr/>
+        <p:nvPr/>
+      </p:nvGrpSpPr>
+      <p:grpSpPr>
+        <a:xfrm>
+          <a:off x="0" y="0"/>
+          <a:ext cx="0" cy="0"/>
+          <a:chOff x="0" y="0"/>
+          <a:chExt cx="0" cy="0"/>
+        </a:xfrm>
+      </p:grpSpPr>
+      <p:sp>
+        <p:nvSpPr>
+          <p:cNvPr id="143" name="Google Shape;143;p25"/>
           <p:cNvSpPr txBox="1"/>
           <p:nvPr>
             <p:ph type="title"/>
@@ -7637,7 +8590,7 @@
       </p:sp>
       <p:sp>
         <p:nvSpPr>
-          <p:cNvPr id="125" name="Google Shape;125;p22"/>
+          <p:cNvPr id="144" name="Google Shape;144;p25"/>
           <p:cNvSpPr txBox="1"/>
           <p:nvPr>
             <p:ph idx="1" type="body"/>
@@ -7651,6 +8604,9 @@
           <a:prstGeom prst="rect">
             <a:avLst/>
           </a:prstGeom>
+          <a:solidFill>
+            <a:srgbClr val="B6D7A8"/>
+          </a:solidFill>
           <a:ln cap="flat" cmpd="sng" w="9525">
             <a:solidFill>
               <a:srgbClr val="6AA84F"/>
@@ -7680,10 +8636,18 @@
               <a:buNone/>
             </a:pPr>
             <a:r>
-              <a:rPr lang="en"/>
+              <a:rPr lang="en">
+                <a:solidFill>
+                  <a:srgbClr val="24292E"/>
+                </a:solidFill>
+              </a:rPr>
               <a:t>Focus on:</a:t>
             </a:r>
-            <a:endParaRPr/>
+            <a:endParaRPr>
+              <a:solidFill>
+                <a:srgbClr val="24292E"/>
+              </a:solidFill>
+            </a:endParaRPr>
           </a:p>
           <a:p>
             <a:pPr indent="-334327" lvl="0" marL="457200" rtl="0" algn="l">
@@ -7696,14 +8660,25 @@
               <a:spcAft>
                 <a:spcPts val="0"/>
               </a:spcAft>
+              <a:buClr>
+                <a:srgbClr val="24292E"/>
+              </a:buClr>
               <a:buSzPct val="100000"/>
               <a:buChar char="-"/>
             </a:pPr>
             <a:r>
-              <a:rPr lang="en"/>
+              <a:rPr lang="en">
+                <a:solidFill>
+                  <a:srgbClr val="24292E"/>
+                </a:solidFill>
+              </a:rPr>
               <a:t>Increasing the above grade living area.</a:t>
             </a:r>
-            <a:endParaRPr/>
+            <a:endParaRPr>
+              <a:solidFill>
+                <a:srgbClr val="24292E"/>
+              </a:solidFill>
+            </a:endParaRPr>
           </a:p>
           <a:p>
             <a:pPr indent="-334327" lvl="0" marL="457200" rtl="0" algn="l">
@@ -7716,14 +8691,25 @@
               <a:spcAft>
                 <a:spcPts val="0"/>
               </a:spcAft>
+              <a:buClr>
+                <a:srgbClr val="24292E"/>
+              </a:buClr>
               <a:buSzPct val="100000"/>
               <a:buChar char="-"/>
             </a:pPr>
             <a:r>
-              <a:rPr lang="en"/>
+              <a:rPr lang="en">
+                <a:solidFill>
+                  <a:srgbClr val="24292E"/>
+                </a:solidFill>
+              </a:rPr>
               <a:t>Overall materials and finish of the house.</a:t>
             </a:r>
-            <a:endParaRPr/>
+            <a:endParaRPr>
+              <a:solidFill>
+                <a:srgbClr val="24292E"/>
+              </a:solidFill>
+            </a:endParaRPr>
           </a:p>
           <a:p>
             <a:pPr indent="-334327" lvl="0" marL="457200" rtl="0" algn="l">
@@ -7736,20 +8722,31 @@
               <a:spcAft>
                 <a:spcPts val="0"/>
               </a:spcAft>
+              <a:buClr>
+                <a:srgbClr val="24292E"/>
+              </a:buClr>
               <a:buSzPct val="100000"/>
               <a:buChar char="-"/>
             </a:pPr>
             <a:r>
-              <a:rPr lang="en"/>
+              <a:rPr lang="en">
+                <a:solidFill>
+                  <a:srgbClr val="24292E"/>
+                </a:solidFill>
+              </a:rPr>
               <a:t>Neighborhoods with a larger range of sale price, like NridgHt and StoneBr.</a:t>
             </a:r>
-            <a:endParaRPr/>
+            <a:endParaRPr>
+              <a:solidFill>
+                <a:srgbClr val="24292E"/>
+              </a:solidFill>
+            </a:endParaRPr>
           </a:p>
         </p:txBody>
       </p:sp>
       <p:sp>
         <p:nvSpPr>
-          <p:cNvPr id="126" name="Google Shape;126;p22"/>
+          <p:cNvPr id="145" name="Google Shape;145;p25"/>
           <p:cNvSpPr txBox="1"/>
           <p:nvPr>
             <p:ph idx="1" type="body"/>
@@ -7757,15 +8754,18 @@
         </p:nvSpPr>
         <p:spPr>
           <a:xfrm>
-            <a:off x="4744300" y="931075"/>
-            <a:ext cx="4226400" cy="3091500"/>
+            <a:off x="4744300" y="905225"/>
+            <a:ext cx="4226400" cy="3117300"/>
           </a:xfrm>
           <a:prstGeom prst="rect">
             <a:avLst/>
           </a:prstGeom>
+          <a:solidFill>
+            <a:srgbClr val="F4CCCC"/>
+          </a:solidFill>
           <a:ln cap="flat" cmpd="sng" w="9525">
             <a:solidFill>
-              <a:schemeClr val="dk1"/>
+              <a:schemeClr val="accent6"/>
             </a:solidFill>
             <a:prstDash val="solid"/>
             <a:round/>
@@ -7793,10 +8793,18 @@
               <a:buNone/>
             </a:pPr>
             <a:r>
-              <a:rPr lang="en"/>
+              <a:rPr lang="en">
+                <a:solidFill>
+                  <a:srgbClr val="24292E"/>
+                </a:solidFill>
+              </a:rPr>
               <a:t>Do not focus on:</a:t>
             </a:r>
-            <a:endParaRPr/>
+            <a:endParaRPr>
+              <a:solidFill>
+                <a:srgbClr val="24292E"/>
+              </a:solidFill>
+            </a:endParaRPr>
           </a:p>
           <a:p>
             <a:pPr indent="-342900" lvl="0" marL="457200" rtl="0" algn="l">
@@ -7809,14 +8817,25 @@
               <a:spcAft>
                 <a:spcPts val="0"/>
               </a:spcAft>
+              <a:buClr>
+                <a:srgbClr val="24292E"/>
+              </a:buClr>
               <a:buSzPts val="1800"/>
               <a:buChar char="-"/>
             </a:pPr>
             <a:r>
-              <a:rPr lang="en"/>
+              <a:rPr lang="en">
+                <a:solidFill>
+                  <a:srgbClr val="24292E"/>
+                </a:solidFill>
+              </a:rPr>
               <a:t>Increasing the number of bathrooms.</a:t>
             </a:r>
-            <a:endParaRPr/>
+            <a:endParaRPr>
+              <a:solidFill>
+                <a:srgbClr val="24292E"/>
+              </a:solidFill>
+            </a:endParaRPr>
           </a:p>
           <a:p>
             <a:pPr indent="-342900" lvl="0" marL="457200" rtl="0" algn="l">
@@ -7829,14 +8848,25 @@
               <a:spcAft>
                 <a:spcPts val="0"/>
               </a:spcAft>
+              <a:buClr>
+                <a:srgbClr val="24292E"/>
+              </a:buClr>
               <a:buSzPts val="1800"/>
               <a:buChar char="-"/>
             </a:pPr>
             <a:r>
-              <a:rPr lang="en"/>
+              <a:rPr lang="en">
+                <a:solidFill>
+                  <a:srgbClr val="24292E"/>
+                </a:solidFill>
+              </a:rPr>
               <a:t>Increasing the number of kitchens above grade.</a:t>
             </a:r>
-            <a:endParaRPr/>
+            <a:endParaRPr>
+              <a:solidFill>
+                <a:srgbClr val="24292E"/>
+              </a:solidFill>
+            </a:endParaRPr>
           </a:p>
           <a:p>
             <a:pPr indent="-342900" lvl="0" marL="457200" rtl="0" algn="l">
@@ -7849,14 +8879,25 @@
               <a:spcAft>
                 <a:spcPts val="0"/>
               </a:spcAft>
+              <a:buClr>
+                <a:srgbClr val="24292E"/>
+              </a:buClr>
               <a:buSzPts val="1800"/>
               <a:buChar char="-"/>
             </a:pPr>
             <a:r>
-              <a:rPr lang="en"/>
+              <a:rPr lang="en">
+                <a:solidFill>
+                  <a:srgbClr val="24292E"/>
+                </a:solidFill>
+              </a:rPr>
               <a:t>Increasing the area of enclosed porch.</a:t>
             </a:r>
-            <a:endParaRPr/>
+            <a:endParaRPr>
+              <a:solidFill>
+                <a:srgbClr val="24292E"/>
+              </a:solidFill>
+            </a:endParaRPr>
           </a:p>
           <a:p>
             <a:pPr indent="0" lvl="0" marL="0" rtl="0" algn="l">
@@ -7881,7 +8922,7 @@
       </p:sp>
       <p:sp>
         <p:nvSpPr>
-          <p:cNvPr id="127" name="Google Shape;127;p22"/>
+          <p:cNvPr id="146" name="Google Shape;146;p25"/>
           <p:cNvSpPr txBox="1"/>
           <p:nvPr/>
         </p:nvSpPr>
@@ -8307,7 +9348,7 @@
             </a:pPr>
             <a:r>
               <a:rPr lang="en"/>
-              <a:t>Visualization tools (boxplot, histogram, regplot etc.) to discover patterns</a:t>
+              <a:t>Visualization diagrams (boxplot, histogram, regplot etc.) to discover patterns</a:t>
             </a:r>
             <a:endParaRPr/>
           </a:p>
@@ -8608,6 +9649,341 @@
         </p:nvSpPr>
         <p:spPr>
           <a:xfrm>
+            <a:off x="311700" y="132325"/>
+            <a:ext cx="8520600" cy="626100"/>
+          </a:xfrm>
+          <a:prstGeom prst="rect">
+            <a:avLst/>
+          </a:prstGeom>
+        </p:spPr>
+        <p:txBody>
+          <a:bodyPr anchorCtr="0" anchor="t" bIns="91425" lIns="91425" spcFirstLastPara="1" rIns="91425" wrap="square" tIns="91425">
+            <a:normAutofit fontScale="90000"/>
+          </a:bodyPr>
+          <a:lstStyle/>
+          <a:p>
+            <a:pPr indent="0" lvl="0" marL="0" rtl="0" algn="l">
+              <a:spcBef>
+                <a:spcPts val="0"/>
+              </a:spcBef>
+              <a:spcAft>
+                <a:spcPts val="0"/>
+              </a:spcAft>
+              <a:buNone/>
+            </a:pPr>
+            <a:r>
+              <a:rPr lang="en"/>
+              <a:t>Feature Engineering</a:t>
+            </a:r>
+            <a:endParaRPr/>
+          </a:p>
+        </p:txBody>
+      </p:sp>
+      <p:pic>
+        <p:nvPicPr>
+          <p:cNvPr id="88" name="Google Shape;88;p17"/>
+          <p:cNvPicPr preferRelativeResize="0"/>
+          <p:nvPr/>
+        </p:nvPicPr>
+        <p:blipFill>
+          <a:blip r:embed="rId3">
+            <a:alphaModFix/>
+          </a:blip>
+          <a:stretch>
+            <a:fillRect/>
+          </a:stretch>
+        </p:blipFill>
+        <p:spPr>
+          <a:xfrm>
+            <a:off x="0" y="1423681"/>
+            <a:ext cx="9143999" cy="3628238"/>
+          </a:xfrm>
+          <a:prstGeom prst="rect">
+            <a:avLst/>
+          </a:prstGeom>
+          <a:noFill/>
+          <a:ln>
+            <a:noFill/>
+          </a:ln>
+        </p:spPr>
+      </p:pic>
+      <p:sp>
+        <p:nvSpPr>
+          <p:cNvPr id="89" name="Google Shape;89;p17"/>
+          <p:cNvSpPr txBox="1"/>
+          <p:nvPr/>
+        </p:nvSpPr>
+        <p:spPr>
+          <a:xfrm>
+            <a:off x="1881600" y="914100"/>
+            <a:ext cx="5380800" cy="446400"/>
+          </a:xfrm>
+          <a:prstGeom prst="rect">
+            <a:avLst/>
+          </a:prstGeom>
+          <a:noFill/>
+          <a:ln>
+            <a:noFill/>
+          </a:ln>
+        </p:spPr>
+        <p:txBody>
+          <a:bodyPr anchorCtr="0" anchor="t" bIns="91425" lIns="91425" spcFirstLastPara="1" rIns="91425" wrap="square" tIns="91425">
+            <a:spAutoFit/>
+          </a:bodyPr>
+          <a:lstStyle/>
+          <a:p>
+            <a:pPr indent="0" lvl="0" marL="0" rtl="0" algn="l">
+              <a:spcBef>
+                <a:spcPts val="0"/>
+              </a:spcBef>
+              <a:spcAft>
+                <a:spcPts val="0"/>
+              </a:spcAft>
+              <a:buNone/>
+            </a:pPr>
+            <a:r>
+              <a:rPr lang="en" sz="1700">
+                <a:latin typeface="Lato"/>
+                <a:ea typeface="Lato"/>
+                <a:cs typeface="Lato"/>
+                <a:sym typeface="Lato"/>
+              </a:rPr>
+              <a:t>Total bathroom = full bathroom + 0.5 * half bathroom</a:t>
+            </a:r>
+            <a:endParaRPr sz="1700">
+              <a:latin typeface="Lato"/>
+              <a:ea typeface="Lato"/>
+              <a:cs typeface="Lato"/>
+              <a:sym typeface="Lato"/>
+            </a:endParaRPr>
+          </a:p>
+        </p:txBody>
+      </p:sp>
+    </p:spTree>
+  </p:cSld>
+  <p:clrMapOvr>
+    <a:masterClrMapping/>
+  </p:clrMapOvr>
+</p:sld>
+</file>
+
+<file path=ppt/slides/slide6.xml><?xml version="1.0" encoding="utf-8"?>
+<p:sld xmlns:a="http://schemas.openxmlformats.org/drawingml/2006/main" xmlns:r="http://schemas.openxmlformats.org/officeDocument/2006/relationships" xmlns:mc="http://schemas.openxmlformats.org/markup-compatibility/2006" xmlns:mv="urn:schemas-microsoft-com:mac:vml" xmlns:p="http://schemas.openxmlformats.org/presentationml/2006/main" xmlns:c="http://schemas.openxmlformats.org/drawingml/2006/chart" xmlns:dgm="http://schemas.openxmlformats.org/drawingml/2006/diagram" xmlns:o="urn:schemas-microsoft-com:office:office" xmlns:v="urn:schemas-microsoft-com:vml" xmlns:pvml="urn:schemas-microsoft-com:office:powerpoint" xmlns:com="http://schemas.openxmlformats.org/drawingml/2006/compatibility" xmlns:p14="http://schemas.microsoft.com/office/powerpoint/2010/main" xmlns:p15="http://schemas.microsoft.com/office/powerpoint/2012/main" xmlns:ahyp="http://schemas.microsoft.com/office/drawing/2018/hyperlinkcolor">
+  <p:cSld>
+    <p:spTree>
+      <p:nvGrpSpPr>
+        <p:cNvPr id="93" name="Shape 93"/>
+        <p:cNvGrpSpPr/>
+        <p:nvPr/>
+      </p:nvGrpSpPr>
+      <p:grpSpPr>
+        <a:xfrm>
+          <a:off x="0" y="0"/>
+          <a:ext cx="0" cy="0"/>
+          <a:chOff x="0" y="0"/>
+          <a:chExt cx="0" cy="0"/>
+        </a:xfrm>
+      </p:grpSpPr>
+      <p:sp>
+        <p:nvSpPr>
+          <p:cNvPr id="94" name="Google Shape;94;p18"/>
+          <p:cNvSpPr txBox="1"/>
+          <p:nvPr>
+            <p:ph type="title"/>
+          </p:nvPr>
+        </p:nvSpPr>
+        <p:spPr>
+          <a:xfrm>
+            <a:off x="311700" y="187825"/>
+            <a:ext cx="8520600" cy="626100"/>
+          </a:xfrm>
+          <a:prstGeom prst="rect">
+            <a:avLst/>
+          </a:prstGeom>
+        </p:spPr>
+        <p:txBody>
+          <a:bodyPr anchorCtr="0" anchor="t" bIns="91425" lIns="91425" spcFirstLastPara="1" rIns="91425" wrap="square" tIns="91425">
+            <a:normAutofit fontScale="90000"/>
+          </a:bodyPr>
+          <a:lstStyle/>
+          <a:p>
+            <a:pPr indent="0" lvl="0" marL="0" rtl="0" algn="l">
+              <a:spcBef>
+                <a:spcPts val="0"/>
+              </a:spcBef>
+              <a:spcAft>
+                <a:spcPts val="0"/>
+              </a:spcAft>
+              <a:buNone/>
+            </a:pPr>
+            <a:r>
+              <a:rPr lang="en"/>
+              <a:t>Negative</a:t>
+            </a:r>
+            <a:r>
+              <a:rPr lang="en"/>
+              <a:t> correlation features</a:t>
+            </a:r>
+            <a:endParaRPr/>
+          </a:p>
+        </p:txBody>
+      </p:sp>
+      <p:pic>
+        <p:nvPicPr>
+          <p:cNvPr id="95" name="Google Shape;95;p18"/>
+          <p:cNvPicPr preferRelativeResize="0"/>
+          <p:nvPr/>
+        </p:nvPicPr>
+        <p:blipFill>
+          <a:blip r:embed="rId3">
+            <a:alphaModFix/>
+          </a:blip>
+          <a:stretch>
+            <a:fillRect/>
+          </a:stretch>
+        </p:blipFill>
+        <p:spPr>
+          <a:xfrm>
+            <a:off x="207075" y="1137750"/>
+            <a:ext cx="8729826" cy="3469200"/>
+          </a:xfrm>
+          <a:prstGeom prst="rect">
+            <a:avLst/>
+          </a:prstGeom>
+          <a:noFill/>
+          <a:ln>
+            <a:noFill/>
+          </a:ln>
+        </p:spPr>
+      </p:pic>
+    </p:spTree>
+  </p:cSld>
+  <p:clrMapOvr>
+    <a:masterClrMapping/>
+  </p:clrMapOvr>
+</p:sld>
+</file>
+
+<file path=ppt/slides/slide7.xml><?xml version="1.0" encoding="utf-8"?>
+<p:sld xmlns:a="http://schemas.openxmlformats.org/drawingml/2006/main" xmlns:r="http://schemas.openxmlformats.org/officeDocument/2006/relationships" xmlns:mc="http://schemas.openxmlformats.org/markup-compatibility/2006" xmlns:mv="urn:schemas-microsoft-com:mac:vml" xmlns:p="http://schemas.openxmlformats.org/presentationml/2006/main" xmlns:c="http://schemas.openxmlformats.org/drawingml/2006/chart" xmlns:dgm="http://schemas.openxmlformats.org/drawingml/2006/diagram" xmlns:o="urn:schemas-microsoft-com:office:office" xmlns:v="urn:schemas-microsoft-com:vml" xmlns:pvml="urn:schemas-microsoft-com:office:powerpoint" xmlns:com="http://schemas.openxmlformats.org/drawingml/2006/compatibility" xmlns:p14="http://schemas.microsoft.com/office/powerpoint/2010/main" xmlns:p15="http://schemas.microsoft.com/office/powerpoint/2012/main" xmlns:ahyp="http://schemas.microsoft.com/office/drawing/2018/hyperlinkcolor">
+  <p:cSld>
+    <p:spTree>
+      <p:nvGrpSpPr>
+        <p:cNvPr id="99" name="Shape 99"/>
+        <p:cNvGrpSpPr/>
+        <p:nvPr/>
+      </p:nvGrpSpPr>
+      <p:grpSpPr>
+        <a:xfrm>
+          <a:off x="0" y="0"/>
+          <a:ext cx="0" cy="0"/>
+          <a:chOff x="0" y="0"/>
+          <a:chExt cx="0" cy="0"/>
+        </a:xfrm>
+      </p:grpSpPr>
+      <p:sp>
+        <p:nvSpPr>
+          <p:cNvPr id="100" name="Google Shape;100;p19"/>
+          <p:cNvSpPr txBox="1"/>
+          <p:nvPr>
+            <p:ph type="title"/>
+          </p:nvPr>
+        </p:nvSpPr>
+        <p:spPr>
+          <a:xfrm>
+            <a:off x="311700" y="224850"/>
+            <a:ext cx="8520600" cy="626100"/>
+          </a:xfrm>
+          <a:prstGeom prst="rect">
+            <a:avLst/>
+          </a:prstGeom>
+        </p:spPr>
+        <p:txBody>
+          <a:bodyPr anchorCtr="0" anchor="t" bIns="91425" lIns="91425" spcFirstLastPara="1" rIns="91425" wrap="square" tIns="91425">
+            <a:normAutofit fontScale="90000"/>
+          </a:bodyPr>
+          <a:lstStyle/>
+          <a:p>
+            <a:pPr indent="0" lvl="0" marL="0" rtl="0" algn="l">
+              <a:spcBef>
+                <a:spcPts val="0"/>
+              </a:spcBef>
+              <a:spcAft>
+                <a:spcPts val="0"/>
+              </a:spcAft>
+              <a:buNone/>
+            </a:pPr>
+            <a:r>
+              <a:rPr lang="en"/>
+              <a:t>Negative correlation features</a:t>
+            </a:r>
+            <a:endParaRPr/>
+          </a:p>
+        </p:txBody>
+      </p:sp>
+      <p:pic>
+        <p:nvPicPr>
+          <p:cNvPr id="101" name="Google Shape;101;p19"/>
+          <p:cNvPicPr preferRelativeResize="0"/>
+          <p:nvPr/>
+        </p:nvPicPr>
+        <p:blipFill>
+          <a:blip r:embed="rId3">
+            <a:alphaModFix/>
+          </a:blip>
+          <a:stretch>
+            <a:fillRect/>
+          </a:stretch>
+        </p:blipFill>
+        <p:spPr>
+          <a:xfrm>
+            <a:off x="168550" y="1128600"/>
+            <a:ext cx="8806875" cy="3723726"/>
+          </a:xfrm>
+          <a:prstGeom prst="rect">
+            <a:avLst/>
+          </a:prstGeom>
+          <a:noFill/>
+          <a:ln>
+            <a:noFill/>
+          </a:ln>
+        </p:spPr>
+      </p:pic>
+    </p:spTree>
+  </p:cSld>
+  <p:clrMapOvr>
+    <a:masterClrMapping/>
+  </p:clrMapOvr>
+</p:sld>
+</file>
+
+<file path=ppt/slides/slide8.xml><?xml version="1.0" encoding="utf-8"?>
+<p:sld xmlns:a="http://schemas.openxmlformats.org/drawingml/2006/main" xmlns:r="http://schemas.openxmlformats.org/officeDocument/2006/relationships" xmlns:mc="http://schemas.openxmlformats.org/markup-compatibility/2006" xmlns:mv="urn:schemas-microsoft-com:mac:vml" xmlns:p="http://schemas.openxmlformats.org/presentationml/2006/main" xmlns:c="http://schemas.openxmlformats.org/drawingml/2006/chart" xmlns:dgm="http://schemas.openxmlformats.org/drawingml/2006/diagram" xmlns:o="urn:schemas-microsoft-com:office:office" xmlns:v="urn:schemas-microsoft-com:vml" xmlns:pvml="urn:schemas-microsoft-com:office:powerpoint" xmlns:com="http://schemas.openxmlformats.org/drawingml/2006/compatibility" xmlns:p14="http://schemas.microsoft.com/office/powerpoint/2010/main" xmlns:p15="http://schemas.microsoft.com/office/powerpoint/2012/main" xmlns:ahyp="http://schemas.microsoft.com/office/drawing/2018/hyperlinkcolor">
+  <p:cSld>
+    <p:spTree>
+      <p:nvGrpSpPr>
+        <p:cNvPr id="105" name="Shape 105"/>
+        <p:cNvGrpSpPr/>
+        <p:nvPr/>
+      </p:nvGrpSpPr>
+      <p:grpSpPr>
+        <a:xfrm>
+          <a:off x="0" y="0"/>
+          <a:ext cx="0" cy="0"/>
+          <a:chOff x="0" y="0"/>
+          <a:chExt cx="0" cy="0"/>
+        </a:xfrm>
+      </p:grpSpPr>
+      <p:sp>
+        <p:nvSpPr>
+          <p:cNvPr id="106" name="Google Shape;106;p20"/>
+          <p:cNvSpPr txBox="1"/>
+          <p:nvPr>
+            <p:ph type="title"/>
+          </p:nvPr>
+        </p:nvSpPr>
+        <p:spPr>
+          <a:xfrm>
             <a:off x="311700" y="145700"/>
             <a:ext cx="8520600" cy="626100"/>
           </a:xfrm>
@@ -8640,7 +10016,7 @@
       </p:sp>
       <p:pic>
         <p:nvPicPr>
-          <p:cNvPr id="88" name="Google Shape;88;p17"/>
+          <p:cNvPr id="107" name="Google Shape;107;p20"/>
           <p:cNvPicPr preferRelativeResize="0"/>
           <p:nvPr/>
         </p:nvPicPr>
@@ -8674,12 +10050,12 @@
 </p:sld>
 </file>
 
-<file path=ppt/slides/slide6.xml><?xml version="1.0" encoding="utf-8"?>
+<file path=ppt/slides/slide9.xml><?xml version="1.0" encoding="utf-8"?>
 <p:sld xmlns:a="http://schemas.openxmlformats.org/drawingml/2006/main" xmlns:r="http://schemas.openxmlformats.org/officeDocument/2006/relationships" xmlns:mc="http://schemas.openxmlformats.org/markup-compatibility/2006" xmlns:mv="urn:schemas-microsoft-com:mac:vml" xmlns:p="http://schemas.openxmlformats.org/presentationml/2006/main" xmlns:c="http://schemas.openxmlformats.org/drawingml/2006/chart" xmlns:dgm="http://schemas.openxmlformats.org/drawingml/2006/diagram" xmlns:o="urn:schemas-microsoft-com:office:office" xmlns:v="urn:schemas-microsoft-com:vml" xmlns:pvml="urn:schemas-microsoft-com:office:powerpoint" xmlns:com="http://schemas.openxmlformats.org/drawingml/2006/compatibility" xmlns:p14="http://schemas.microsoft.com/office/powerpoint/2010/main" xmlns:p15="http://schemas.microsoft.com/office/powerpoint/2012/main" xmlns:ahyp="http://schemas.microsoft.com/office/drawing/2018/hyperlinkcolor">
   <p:cSld>
     <p:spTree>
       <p:nvGrpSpPr>
-        <p:cNvPr id="92" name="Shape 92"/>
+        <p:cNvPr id="111" name="Shape 111"/>
         <p:cNvGrpSpPr/>
         <p:nvPr/>
       </p:nvGrpSpPr>
@@ -8693,7 +10069,7 @@
       </p:grpSpPr>
       <p:sp>
         <p:nvSpPr>
-          <p:cNvPr id="93" name="Google Shape;93;p18"/>
+          <p:cNvPr id="112" name="Google Shape;112;p21"/>
           <p:cNvSpPr txBox="1"/>
           <p:nvPr>
             <p:ph type="title"/>
@@ -8733,7 +10109,7 @@
       </p:sp>
       <p:sp>
         <p:nvSpPr>
-          <p:cNvPr id="94" name="Google Shape;94;p18"/>
+          <p:cNvPr id="113" name="Google Shape;113;p21"/>
           <p:cNvSpPr txBox="1"/>
           <p:nvPr>
             <p:ph idx="1" type="body"/>
@@ -8804,7 +10180,7 @@
       </p:sp>
       <p:pic>
         <p:nvPicPr>
-          <p:cNvPr id="95" name="Google Shape;95;p18"/>
+          <p:cNvPr id="114" name="Google Shape;114;p21"/>
           <p:cNvPicPr preferRelativeResize="0"/>
           <p:nvPr/>
         </p:nvPicPr>
@@ -8832,7 +10208,7 @@
       </p:pic>
       <p:sp>
         <p:nvSpPr>
-          <p:cNvPr id="96" name="Google Shape;96;p18"/>
+          <p:cNvPr id="115" name="Google Shape;115;p21"/>
           <p:cNvSpPr/>
           <p:nvPr/>
         </p:nvSpPr>
@@ -8881,7 +10257,7 @@
       </p:sp>
       <p:sp>
         <p:nvSpPr>
-          <p:cNvPr id="97" name="Google Shape;97;p18"/>
+          <p:cNvPr id="116" name="Google Shape;116;p21"/>
           <p:cNvSpPr/>
           <p:nvPr/>
         </p:nvSpPr>
@@ -8936,631 +10312,286 @@
 </p:sld>
 </file>
 
-<file path=ppt/slides/slide7.xml><?xml version="1.0" encoding="utf-8"?>
-<p:sld xmlns:a="http://schemas.openxmlformats.org/drawingml/2006/main" xmlns:r="http://schemas.openxmlformats.org/officeDocument/2006/relationships" xmlns:mc="http://schemas.openxmlformats.org/markup-compatibility/2006" xmlns:mv="urn:schemas-microsoft-com:mac:vml" xmlns:p="http://schemas.openxmlformats.org/presentationml/2006/main" xmlns:c="http://schemas.openxmlformats.org/drawingml/2006/chart" xmlns:dgm="http://schemas.openxmlformats.org/drawingml/2006/diagram" xmlns:o="urn:schemas-microsoft-com:office:office" xmlns:v="urn:schemas-microsoft-com:vml" xmlns:pvml="urn:schemas-microsoft-com:office:powerpoint" xmlns:com="http://schemas.openxmlformats.org/drawingml/2006/compatibility" xmlns:p14="http://schemas.microsoft.com/office/powerpoint/2010/main" xmlns:p15="http://schemas.microsoft.com/office/powerpoint/2012/main" xmlns:ahyp="http://schemas.microsoft.com/office/drawing/2018/hyperlinkcolor">
-  <p:cSld>
-    <p:spTree>
-      <p:nvGrpSpPr>
-        <p:cNvPr id="101" name="Shape 101"/>
-        <p:cNvGrpSpPr/>
-        <p:nvPr/>
-      </p:nvGrpSpPr>
-      <p:grpSpPr>
-        <a:xfrm>
-          <a:off x="0" y="0"/>
-          <a:ext cx="0" cy="0"/>
-          <a:chOff x="0" y="0"/>
-          <a:chExt cx="0" cy="0"/>
-        </a:xfrm>
-      </p:grpSpPr>
-      <p:sp>
-        <p:nvSpPr>
-          <p:cNvPr id="102" name="Google Shape;102;p19"/>
-          <p:cNvSpPr txBox="1"/>
-          <p:nvPr>
-            <p:ph idx="1" type="body"/>
-          </p:nvPr>
-        </p:nvSpPr>
-        <p:spPr>
-          <a:xfrm>
-            <a:off x="142500" y="4330675"/>
-            <a:ext cx="8859000" cy="626100"/>
-          </a:xfrm>
-          <a:prstGeom prst="rect">
-            <a:avLst/>
-          </a:prstGeom>
-        </p:spPr>
-        <p:txBody>
-          <a:bodyPr anchorCtr="0" anchor="t" bIns="91425" lIns="91425" spcFirstLastPara="1" rIns="91425" wrap="square" tIns="91425">
-            <a:normAutofit lnSpcReduction="10000"/>
-          </a:bodyPr>
-          <a:lstStyle/>
-          <a:p>
-            <a:pPr indent="0" lvl="0" marL="0" rtl="0" algn="l">
-              <a:lnSpc>
-                <a:spcPct val="115000"/>
-              </a:lnSpc>
-              <a:spcBef>
-                <a:spcPts val="0"/>
-              </a:spcBef>
-              <a:spcAft>
-                <a:spcPts val="1200"/>
-              </a:spcAft>
-              <a:buNone/>
-            </a:pPr>
-            <a:r>
-              <a:rPr lang="en" sz="1400">
-                <a:solidFill>
-                  <a:srgbClr val="24292E"/>
-                </a:solidFill>
-              </a:rPr>
-              <a:t>Sale price = -5961.6 * X1 + 7894.7 * X2 - -2362.8 * X3 + 8364.6 * X5 + 6407.8 * X6 + 10009.4 * X7 + 9276.1 * X8 + 24020.8 * X10 + 20866.4 * X11 - 38530.1 * X12 - 31538.0 * X13</a:t>
-            </a:r>
-            <a:endParaRPr sz="1400">
-              <a:solidFill>
-                <a:srgbClr val="24292E"/>
-              </a:solidFill>
-            </a:endParaRPr>
-          </a:p>
-        </p:txBody>
-      </p:sp>
-      <p:pic>
-        <p:nvPicPr>
-          <p:cNvPr id="103" name="Google Shape;103;p19"/>
-          <p:cNvPicPr preferRelativeResize="0"/>
-          <p:nvPr/>
-        </p:nvPicPr>
-        <p:blipFill>
-          <a:blip r:embed="rId3">
-            <a:alphaModFix/>
-          </a:blip>
-          <a:stretch>
-            <a:fillRect/>
-          </a:stretch>
-        </p:blipFill>
-        <p:spPr>
-          <a:xfrm>
-            <a:off x="142500" y="62325"/>
-            <a:ext cx="8859001" cy="4268350"/>
-          </a:xfrm>
-          <a:prstGeom prst="rect">
-            <a:avLst/>
-          </a:prstGeom>
-          <a:noFill/>
-          <a:ln>
-            <a:noFill/>
-          </a:ln>
-        </p:spPr>
-      </p:pic>
-      <p:sp>
-        <p:nvSpPr>
-          <p:cNvPr id="104" name="Google Shape;104;p19"/>
-          <p:cNvSpPr txBox="1"/>
-          <p:nvPr/>
-        </p:nvSpPr>
-        <p:spPr>
-          <a:xfrm>
-            <a:off x="6429825" y="1796400"/>
-            <a:ext cx="522000" cy="461700"/>
-          </a:xfrm>
-          <a:prstGeom prst="rect">
-            <a:avLst/>
-          </a:prstGeom>
+<file path=ppt/theme/theme1.xml><?xml version="1.0" encoding="utf-8"?>
+<a:theme xmlns:a="http://schemas.openxmlformats.org/drawingml/2006/main" xmlns:r="http://schemas.openxmlformats.org/officeDocument/2006/relationships" name="Coral">
+  <a:themeElements>
+    <a:clrScheme name="Coral">
+      <a:dk1>
+        <a:srgbClr val="F55E61"/>
+      </a:dk1>
+      <a:lt1>
+        <a:srgbClr val="FFFFFF"/>
+      </a:lt1>
+      <a:dk2>
+        <a:srgbClr val="5E696C"/>
+      </a:dk2>
+      <a:lt2>
+        <a:srgbClr val="BFC7CA"/>
+      </a:lt2>
+      <a:accent1>
+        <a:srgbClr val="1E2D31"/>
+      </a:accent1>
+      <a:accent2>
+        <a:srgbClr val="273C42"/>
+      </a:accent2>
+      <a:accent3>
+        <a:srgbClr val="83D061"/>
+      </a:accent3>
+      <a:accent4>
+        <a:srgbClr val="F6CD4C"/>
+      </a:accent4>
+      <a:accent5>
+        <a:srgbClr val="AF4345"/>
+      </a:accent5>
+      <a:accent6>
+        <a:srgbClr val="F58F8F"/>
+      </a:accent6>
+      <a:hlink>
+        <a:srgbClr val="AF4345"/>
+      </a:hlink>
+      <a:folHlink>
+        <a:srgbClr val="AF4345"/>
+      </a:folHlink>
+    </a:clrScheme>
+    <a:fontScheme name="Office">
+      <a:majorFont>
+        <a:latin typeface="Arial"/>
+        <a:ea typeface=""/>
+        <a:cs typeface=""/>
+        <a:font script="Jpan" typeface="ＭＳ Ｐゴシック"/>
+        <a:font script="Hang" typeface="맑은 고딕"/>
+        <a:font script="Hans" typeface="宋体"/>
+        <a:font script="Hant" typeface="新細明體"/>
+        <a:font script="Arab" typeface="Times New Roman"/>
+        <a:font script="Hebr" typeface="Times New Roman"/>
+        <a:font script="Thai" typeface="Angsana New"/>
+        <a:font script="Ethi" typeface="Nyala"/>
+        <a:font script="Beng" typeface="Vrinda"/>
+        <a:font script="Gujr" typeface="Shruti"/>
+        <a:font script="Khmr" typeface="MoolBoran"/>
+        <a:font script="Knda" typeface="Tunga"/>
+        <a:font script="Guru" typeface="Raavi"/>
+        <a:font script="Cans" typeface="Euphemia"/>
+        <a:font script="Cher" typeface="Plantagenet Cherokee"/>
+        <a:font script="Yiii" typeface="Microsoft Yi Baiti"/>
+        <a:font script="Tibt" typeface="Microsoft Himalaya"/>
+        <a:font script="Thaa" typeface="MV Boli"/>
+        <a:font script="Deva" typeface="Mangal"/>
+        <a:font script="Telu" typeface="Gautami"/>
+        <a:font script="Taml" typeface="Latha"/>
+        <a:font script="Syrc" typeface="Estrangelo Edessa"/>
+        <a:font script="Orya" typeface="Kalinga"/>
+        <a:font script="Mlym" typeface="Kartika"/>
+        <a:font script="Laoo" typeface="DokChampa"/>
+        <a:font script="Sinh" typeface="Iskoola Pota"/>
+        <a:font script="Mong" typeface="Mongolian Baiti"/>
+        <a:font script="Viet" typeface="Times New Roman"/>
+        <a:font script="Uigh" typeface="Microsoft Uighur"/>
+        <a:font script="Geor" typeface="Sylfaen"/>
+      </a:majorFont>
+      <a:minorFont>
+        <a:latin typeface="Arial"/>
+        <a:ea typeface=""/>
+        <a:cs typeface=""/>
+        <a:font script="Jpan" typeface="ＭＳ Ｐゴシック"/>
+        <a:font script="Hang" typeface="맑은 고딕"/>
+        <a:font script="Hans" typeface="宋体"/>
+        <a:font script="Hant" typeface="新細明體"/>
+        <a:font script="Arab" typeface="Arial"/>
+        <a:font script="Hebr" typeface="Arial"/>
+        <a:font script="Thai" typeface="Cordia New"/>
+        <a:font script="Ethi" typeface="Nyala"/>
+        <a:font script="Beng" typeface="Vrinda"/>
+        <a:font script="Gujr" typeface="Shruti"/>
+        <a:font script="Khmr" typeface="DaunPenh"/>
+        <a:font script="Knda" typeface="Tunga"/>
+        <a:font script="Guru" typeface="Raavi"/>
+        <a:font script="Cans" typeface="Euphemia"/>
+        <a:font script="Cher" typeface="Plantagenet Cherokee"/>
+        <a:font script="Yiii" typeface="Microsoft Yi Baiti"/>
+        <a:font script="Tibt" typeface="Microsoft Himalaya"/>
+        <a:font script="Thaa" typeface="MV Boli"/>
+        <a:font script="Deva" typeface="Mangal"/>
+        <a:font script="Telu" typeface="Gautami"/>
+        <a:font script="Taml" typeface="Latha"/>
+        <a:font script="Syrc" typeface="Estrangelo Edessa"/>
+        <a:font script="Orya" typeface="Kalinga"/>
+        <a:font script="Mlym" typeface="Kartika"/>
+        <a:font script="Laoo" typeface="DokChampa"/>
+        <a:font script="Sinh" typeface="Iskoola Pota"/>
+        <a:font script="Mong" typeface="Mongolian Baiti"/>
+        <a:font script="Viet" typeface="Arial"/>
+        <a:font script="Uigh" typeface="Microsoft Uighur"/>
+        <a:font script="Geor" typeface="Sylfaen"/>
+      </a:minorFont>
+    </a:fontScheme>
+    <a:fmtScheme name="Office">
+      <a:fillStyleLst>
+        <a:solidFill>
+          <a:schemeClr val="phClr"/>
+        </a:solidFill>
+        <a:gradFill rotWithShape="1">
+          <a:gsLst>
+            <a:gs pos="0">
+              <a:schemeClr val="phClr">
+                <a:tint val="50000"/>
+                <a:satMod val="300000"/>
+              </a:schemeClr>
+            </a:gs>
+            <a:gs pos="35000">
+              <a:schemeClr val="phClr">
+                <a:tint val="37000"/>
+                <a:satMod val="300000"/>
+              </a:schemeClr>
+            </a:gs>
+            <a:gs pos="100000">
+              <a:schemeClr val="phClr">
+                <a:tint val="15000"/>
+                <a:satMod val="350000"/>
+              </a:schemeClr>
+            </a:gs>
+          </a:gsLst>
+          <a:lin ang="16200000" scaled="1"/>
+        </a:gradFill>
+        <a:gradFill rotWithShape="1">
+          <a:gsLst>
+            <a:gs pos="0">
+              <a:schemeClr val="phClr">
+                <a:tint val="100000"/>
+                <a:shade val="100000"/>
+                <a:satMod val="130000"/>
+              </a:schemeClr>
+            </a:gs>
+            <a:gs pos="100000">
+              <a:schemeClr val="phClr">
+                <a:tint val="50000"/>
+                <a:shade val="100000"/>
+                <a:satMod val="350000"/>
+              </a:schemeClr>
+            </a:gs>
+          </a:gsLst>
+          <a:lin ang="16200000" scaled="0"/>
+        </a:gradFill>
+      </a:fillStyleLst>
+      <a:lnStyleLst>
+        <a:ln w="9525" cap="flat" cmpd="sng" algn="ctr">
           <a:solidFill>
-            <a:srgbClr val="FFFF00"/>
+            <a:schemeClr val="phClr">
+              <a:shade val="95000"/>
+              <a:satMod val="105000"/>
+            </a:schemeClr>
           </a:solidFill>
-          <a:ln>
-            <a:noFill/>
-          </a:ln>
-        </p:spPr>
-        <p:txBody>
-          <a:bodyPr anchorCtr="0" anchor="t" bIns="91425" lIns="91425" spcFirstLastPara="1" rIns="91425" wrap="square" tIns="91425">
-            <a:spAutoFit/>
-          </a:bodyPr>
-          <a:lstStyle/>
-          <a:p>
-            <a:pPr indent="0" lvl="0" marL="0" rtl="0" algn="ctr">
-              <a:spcBef>
-                <a:spcPts val="0"/>
-              </a:spcBef>
-              <a:spcAft>
-                <a:spcPts val="0"/>
-              </a:spcAft>
-              <a:buNone/>
-            </a:pPr>
-            <a:r>
-              <a:rPr b="1" lang="en" sz="1800">
-                <a:solidFill>
-                  <a:srgbClr val="FF0000"/>
-                </a:solidFill>
-                <a:latin typeface="Lato"/>
-                <a:ea typeface="Lato"/>
-                <a:cs typeface="Lato"/>
-                <a:sym typeface="Lato"/>
-              </a:rPr>
-              <a:t>2</a:t>
-            </a:r>
-            <a:endParaRPr b="1" sz="1800">
-              <a:solidFill>
-                <a:srgbClr val="FF0000"/>
-              </a:solidFill>
-              <a:latin typeface="Lato"/>
-              <a:ea typeface="Lato"/>
-              <a:cs typeface="Lato"/>
-              <a:sym typeface="Lato"/>
-            </a:endParaRPr>
-          </a:p>
-        </p:txBody>
-      </p:sp>
-      <p:sp>
-        <p:nvSpPr>
-          <p:cNvPr id="105" name="Google Shape;105;p19"/>
-          <p:cNvSpPr txBox="1"/>
-          <p:nvPr/>
-        </p:nvSpPr>
-        <p:spPr>
-          <a:xfrm>
-            <a:off x="8013525" y="950800"/>
-            <a:ext cx="522000" cy="461700"/>
-          </a:xfrm>
-          <a:prstGeom prst="rect">
-            <a:avLst/>
-          </a:prstGeom>
+          <a:prstDash val="solid"/>
+        </a:ln>
+        <a:ln w="25400" cap="flat" cmpd="sng" algn="ctr">
           <a:solidFill>
-            <a:srgbClr val="FFFF00"/>
+            <a:schemeClr val="phClr"/>
           </a:solidFill>
-          <a:ln>
-            <a:noFill/>
-          </a:ln>
-        </p:spPr>
-        <p:txBody>
-          <a:bodyPr anchorCtr="0" anchor="t" bIns="91425" lIns="91425" spcFirstLastPara="1" rIns="91425" wrap="square" tIns="91425">
-            <a:spAutoFit/>
-          </a:bodyPr>
-          <a:lstStyle/>
-          <a:p>
-            <a:pPr indent="0" lvl="0" marL="0" rtl="0" algn="ctr">
-              <a:spcBef>
-                <a:spcPts val="0"/>
-              </a:spcBef>
-              <a:spcAft>
-                <a:spcPts val="0"/>
-              </a:spcAft>
-              <a:buNone/>
-            </a:pPr>
-            <a:r>
-              <a:rPr b="1" lang="en" sz="1800">
-                <a:solidFill>
-                  <a:srgbClr val="FF0000"/>
-                </a:solidFill>
-                <a:latin typeface="Lato"/>
-                <a:ea typeface="Lato"/>
-                <a:cs typeface="Lato"/>
-                <a:sym typeface="Lato"/>
-              </a:rPr>
-              <a:t>1</a:t>
-            </a:r>
-            <a:endParaRPr b="1" sz="1800">
-              <a:solidFill>
-                <a:srgbClr val="FF0000"/>
-              </a:solidFill>
-              <a:latin typeface="Lato"/>
-              <a:ea typeface="Lato"/>
-              <a:cs typeface="Lato"/>
-              <a:sym typeface="Lato"/>
-            </a:endParaRPr>
-          </a:p>
-        </p:txBody>
-      </p:sp>
-      <p:sp>
-        <p:nvSpPr>
-          <p:cNvPr id="106" name="Google Shape;106;p19"/>
-          <p:cNvSpPr txBox="1"/>
-          <p:nvPr/>
-        </p:nvSpPr>
-        <p:spPr>
-          <a:xfrm>
-            <a:off x="7121875" y="1796400"/>
-            <a:ext cx="522000" cy="461700"/>
-          </a:xfrm>
-          <a:prstGeom prst="rect">
-            <a:avLst/>
-          </a:prstGeom>
+          <a:prstDash val="solid"/>
+        </a:ln>
+        <a:ln w="38100" cap="flat" cmpd="sng" algn="ctr">
           <a:solidFill>
-            <a:srgbClr val="FFFF00"/>
+            <a:schemeClr val="phClr"/>
           </a:solidFill>
-          <a:ln>
-            <a:noFill/>
-          </a:ln>
-        </p:spPr>
-        <p:txBody>
-          <a:bodyPr anchorCtr="0" anchor="t" bIns="91425" lIns="91425" spcFirstLastPara="1" rIns="91425" wrap="square" tIns="91425">
-            <a:spAutoFit/>
-          </a:bodyPr>
-          <a:lstStyle/>
-          <a:p>
-            <a:pPr indent="0" lvl="0" marL="0" rtl="0" algn="ctr">
-              <a:spcBef>
-                <a:spcPts val="0"/>
-              </a:spcBef>
-              <a:spcAft>
-                <a:spcPts val="0"/>
-              </a:spcAft>
-              <a:buNone/>
-            </a:pPr>
-            <a:r>
-              <a:rPr b="1" lang="en" sz="1800">
-                <a:solidFill>
-                  <a:srgbClr val="FF0000"/>
-                </a:solidFill>
-                <a:latin typeface="Lato"/>
-                <a:ea typeface="Lato"/>
-                <a:cs typeface="Lato"/>
-                <a:sym typeface="Lato"/>
-              </a:rPr>
-              <a:t>3</a:t>
-            </a:r>
-            <a:endParaRPr b="1" sz="1800">
-              <a:solidFill>
-                <a:srgbClr val="FF0000"/>
-              </a:solidFill>
-              <a:latin typeface="Lato"/>
-              <a:ea typeface="Lato"/>
-              <a:cs typeface="Lato"/>
-              <a:sym typeface="Lato"/>
-            </a:endParaRPr>
-          </a:p>
-        </p:txBody>
-      </p:sp>
-    </p:spTree>
-  </p:cSld>
-  <p:clrMapOvr>
-    <a:masterClrMapping/>
-  </p:clrMapOvr>
-</p:sld>
+          <a:prstDash val="solid"/>
+        </a:ln>
+      </a:lnStyleLst>
+      <a:effectStyleLst>
+        <a:effectStyle>
+          <a:effectLst>
+            <a:outerShdw blurRad="40000" dist="20000" dir="5400000" rotWithShape="0">
+              <a:srgbClr val="000000">
+                <a:alpha val="38000"/>
+              </a:srgbClr>
+            </a:outerShdw>
+          </a:effectLst>
+        </a:effectStyle>
+        <a:effectStyle>
+          <a:effectLst>
+            <a:outerShdw blurRad="40000" dist="23000" dir="5400000" rotWithShape="0">
+              <a:srgbClr val="000000">
+                <a:alpha val="35000"/>
+              </a:srgbClr>
+            </a:outerShdw>
+          </a:effectLst>
+        </a:effectStyle>
+        <a:effectStyle>
+          <a:effectLst>
+            <a:outerShdw blurRad="40000" dist="23000" dir="5400000" rotWithShape="0">
+              <a:srgbClr val="000000">
+                <a:alpha val="35000"/>
+              </a:srgbClr>
+            </a:outerShdw>
+          </a:effectLst>
+          <a:scene3d>
+            <a:camera prst="orthographicFront">
+              <a:rot lat="0" lon="0" rev="0"/>
+            </a:camera>
+            <a:lightRig rig="threePt" dir="t">
+              <a:rot lat="0" lon="0" rev="1200000"/>
+            </a:lightRig>
+          </a:scene3d>
+          <a:sp3d>
+            <a:bevelT w="63500" h="25400"/>
+          </a:sp3d>
+        </a:effectStyle>
+      </a:effectStyleLst>
+      <a:bgFillStyleLst>
+        <a:solidFill>
+          <a:schemeClr val="phClr"/>
+        </a:solidFill>
+        <a:gradFill rotWithShape="1">
+          <a:gsLst>
+            <a:gs pos="0">
+              <a:schemeClr val="phClr">
+                <a:tint val="40000"/>
+                <a:satMod val="350000"/>
+              </a:schemeClr>
+            </a:gs>
+            <a:gs pos="40000">
+              <a:schemeClr val="phClr">
+                <a:tint val="45000"/>
+                <a:shade val="99000"/>
+                <a:satMod val="350000"/>
+              </a:schemeClr>
+            </a:gs>
+            <a:gs pos="100000">
+              <a:schemeClr val="phClr">
+                <a:shade val="20000"/>
+                <a:satMod val="255000"/>
+              </a:schemeClr>
+            </a:gs>
+          </a:gsLst>
+          <a:path path="circle">
+            <a:fillToRect l="50000" t="-80000" r="50000" b="180000"/>
+          </a:path>
+        </a:gradFill>
+        <a:gradFill rotWithShape="1">
+          <a:gsLst>
+            <a:gs pos="0">
+              <a:schemeClr val="phClr">
+                <a:tint val="80000"/>
+                <a:satMod val="300000"/>
+              </a:schemeClr>
+            </a:gs>
+            <a:gs pos="100000">
+              <a:schemeClr val="phClr">
+                <a:shade val="30000"/>
+                <a:satMod val="200000"/>
+              </a:schemeClr>
+            </a:gs>
+          </a:gsLst>
+          <a:path path="circle">
+            <a:fillToRect l="50000" t="50000" r="50000" b="50000"/>
+          </a:path>
+        </a:gradFill>
+      </a:bgFillStyleLst>
+    </a:fmtScheme>
+  </a:themeElements>
+</a:theme>
 </file>
 
-<file path=ppt/slides/slide8.xml><?xml version="1.0" encoding="utf-8"?>
-<p:sld xmlns:a="http://schemas.openxmlformats.org/drawingml/2006/main" xmlns:r="http://schemas.openxmlformats.org/officeDocument/2006/relationships" xmlns:mc="http://schemas.openxmlformats.org/markup-compatibility/2006" xmlns:mv="urn:schemas-microsoft-com:mac:vml" xmlns:p="http://schemas.openxmlformats.org/presentationml/2006/main" xmlns:c="http://schemas.openxmlformats.org/drawingml/2006/chart" xmlns:dgm="http://schemas.openxmlformats.org/drawingml/2006/diagram" xmlns:o="urn:schemas-microsoft-com:office:office" xmlns:v="urn:schemas-microsoft-com:vml" xmlns:pvml="urn:schemas-microsoft-com:office:powerpoint" xmlns:com="http://schemas.openxmlformats.org/drawingml/2006/compatibility" xmlns:p14="http://schemas.microsoft.com/office/powerpoint/2010/main" xmlns:p15="http://schemas.microsoft.com/office/powerpoint/2012/main" xmlns:ahyp="http://schemas.microsoft.com/office/drawing/2018/hyperlinkcolor">
-  <p:cSld>
-    <p:spTree>
-      <p:nvGrpSpPr>
-        <p:cNvPr id="110" name="Shape 110"/>
-        <p:cNvGrpSpPr/>
-        <p:nvPr/>
-      </p:nvGrpSpPr>
-      <p:grpSpPr>
-        <a:xfrm>
-          <a:off x="0" y="0"/>
-          <a:ext cx="0" cy="0"/>
-          <a:chOff x="0" y="0"/>
-          <a:chExt cx="0" cy="0"/>
-        </a:xfrm>
-      </p:grpSpPr>
-      <p:sp>
-        <p:nvSpPr>
-          <p:cNvPr id="111" name="Google Shape;111;p20"/>
-          <p:cNvSpPr txBox="1"/>
-          <p:nvPr>
-            <p:ph type="title"/>
-          </p:nvPr>
-        </p:nvSpPr>
-        <p:spPr>
-          <a:xfrm>
-            <a:off x="311700" y="187825"/>
-            <a:ext cx="8520600" cy="626100"/>
-          </a:xfrm>
-          <a:prstGeom prst="rect">
-            <a:avLst/>
-          </a:prstGeom>
-        </p:spPr>
-        <p:txBody>
-          <a:bodyPr anchorCtr="0" anchor="t" bIns="91425" lIns="91425" spcFirstLastPara="1" rIns="91425" wrap="square" tIns="91425">
-            <a:normAutofit fontScale="90000"/>
-          </a:bodyPr>
-          <a:lstStyle/>
-          <a:p>
-            <a:pPr indent="0" lvl="0" marL="0" rtl="0" algn="l">
-              <a:spcBef>
-                <a:spcPts val="0"/>
-              </a:spcBef>
-              <a:spcAft>
-                <a:spcPts val="0"/>
-              </a:spcAft>
-              <a:buNone/>
-            </a:pPr>
-            <a:r>
-              <a:rPr lang="en"/>
-              <a:t>Submission to Kaggle</a:t>
-            </a:r>
-            <a:endParaRPr/>
-          </a:p>
-        </p:txBody>
-      </p:sp>
-      <p:pic>
-        <p:nvPicPr>
-          <p:cNvPr id="112" name="Google Shape;112;p20"/>
-          <p:cNvPicPr preferRelativeResize="0"/>
-          <p:nvPr/>
-        </p:nvPicPr>
-        <p:blipFill>
-          <a:blip r:embed="rId3">
-            <a:alphaModFix/>
-          </a:blip>
-          <a:stretch>
-            <a:fillRect/>
-          </a:stretch>
-        </p:blipFill>
-        <p:spPr>
-          <a:xfrm>
-            <a:off x="419725" y="962100"/>
-            <a:ext cx="8308275" cy="3967575"/>
-          </a:xfrm>
-          <a:prstGeom prst="rect">
-            <a:avLst/>
-          </a:prstGeom>
-          <a:noFill/>
-          <a:ln>
-            <a:noFill/>
-          </a:ln>
-        </p:spPr>
-      </p:pic>
-    </p:spTree>
-  </p:cSld>
-  <p:clrMapOvr>
-    <a:masterClrMapping/>
-  </p:clrMapOvr>
-</p:sld>
-</file>
-
-<file path=ppt/slides/slide9.xml><?xml version="1.0" encoding="utf-8"?>
-<p:sld xmlns:a="http://schemas.openxmlformats.org/drawingml/2006/main" xmlns:r="http://schemas.openxmlformats.org/officeDocument/2006/relationships" xmlns:mc="http://schemas.openxmlformats.org/markup-compatibility/2006" xmlns:mv="urn:schemas-microsoft-com:mac:vml" xmlns:p="http://schemas.openxmlformats.org/presentationml/2006/main" xmlns:c="http://schemas.openxmlformats.org/drawingml/2006/chart" xmlns:dgm="http://schemas.openxmlformats.org/drawingml/2006/diagram" xmlns:o="urn:schemas-microsoft-com:office:office" xmlns:v="urn:schemas-microsoft-com:vml" xmlns:pvml="urn:schemas-microsoft-com:office:powerpoint" xmlns:com="http://schemas.openxmlformats.org/drawingml/2006/compatibility" xmlns:p14="http://schemas.microsoft.com/office/powerpoint/2010/main" xmlns:p15="http://schemas.microsoft.com/office/powerpoint/2012/main" xmlns:ahyp="http://schemas.microsoft.com/office/drawing/2018/hyperlinkcolor">
-  <p:cSld>
-    <p:spTree>
-      <p:nvGrpSpPr>
-        <p:cNvPr id="116" name="Shape 116"/>
-        <p:cNvGrpSpPr/>
-        <p:nvPr/>
-      </p:nvGrpSpPr>
-      <p:grpSpPr>
-        <a:xfrm>
-          <a:off x="0" y="0"/>
-          <a:ext cx="0" cy="0"/>
-          <a:chOff x="0" y="0"/>
-          <a:chExt cx="0" cy="0"/>
-        </a:xfrm>
-      </p:grpSpPr>
-      <p:sp>
-        <p:nvSpPr>
-          <p:cNvPr id="117" name="Google Shape;117;p21"/>
-          <p:cNvSpPr txBox="1"/>
-          <p:nvPr>
-            <p:ph type="title"/>
-          </p:nvPr>
-        </p:nvSpPr>
-        <p:spPr>
-          <a:xfrm>
-            <a:off x="311700" y="106300"/>
-            <a:ext cx="8520600" cy="626100"/>
-          </a:xfrm>
-          <a:prstGeom prst="rect">
-            <a:avLst/>
-          </a:prstGeom>
-        </p:spPr>
-        <p:txBody>
-          <a:bodyPr anchorCtr="0" anchor="t" bIns="91425" lIns="91425" spcFirstLastPara="1" rIns="91425" wrap="square" tIns="91425">
-            <a:normAutofit fontScale="90000"/>
-          </a:bodyPr>
-          <a:lstStyle/>
-          <a:p>
-            <a:pPr indent="0" lvl="0" marL="0" rtl="0" algn="l">
-              <a:spcBef>
-                <a:spcPts val="0"/>
-              </a:spcBef>
-              <a:spcAft>
-                <a:spcPts val="0"/>
-              </a:spcAft>
-              <a:buNone/>
-            </a:pPr>
-            <a:r>
-              <a:rPr lang="en"/>
-              <a:t>Conclusions and Limitations</a:t>
-            </a:r>
-            <a:endParaRPr/>
-          </a:p>
-        </p:txBody>
-      </p:sp>
-      <p:sp>
-        <p:nvSpPr>
-          <p:cNvPr id="118" name="Google Shape;118;p21"/>
-          <p:cNvSpPr txBox="1"/>
-          <p:nvPr>
-            <p:ph idx="1" type="body"/>
-          </p:nvPr>
-        </p:nvSpPr>
-        <p:spPr>
-          <a:xfrm>
-            <a:off x="311700" y="913325"/>
-            <a:ext cx="8520600" cy="1991400"/>
-          </a:xfrm>
-          <a:prstGeom prst="rect">
-            <a:avLst/>
-          </a:prstGeom>
-        </p:spPr>
-        <p:txBody>
-          <a:bodyPr anchorCtr="0" anchor="t" bIns="91425" lIns="91425" spcFirstLastPara="1" rIns="91425" wrap="square" tIns="91425">
-            <a:normAutofit/>
-          </a:bodyPr>
-          <a:lstStyle/>
-          <a:p>
-            <a:pPr indent="-349250" lvl="0" marL="457200" rtl="0" algn="l">
-              <a:lnSpc>
-                <a:spcPct val="150000"/>
-              </a:lnSpc>
-              <a:spcBef>
-                <a:spcPts val="0"/>
-              </a:spcBef>
-              <a:spcAft>
-                <a:spcPts val="0"/>
-              </a:spcAft>
-              <a:buSzPts val="1900"/>
-              <a:buChar char="-"/>
-            </a:pPr>
-            <a:r>
-              <a:rPr lang="en" sz="1900"/>
-              <a:t>RMSE for all models are similar and do not differ greatly.</a:t>
-            </a:r>
-            <a:endParaRPr sz="1900"/>
-          </a:p>
-          <a:p>
-            <a:pPr indent="-349250" lvl="0" marL="457200" rtl="0" algn="l">
-              <a:lnSpc>
-                <a:spcPct val="150000"/>
-              </a:lnSpc>
-              <a:spcBef>
-                <a:spcPts val="0"/>
-              </a:spcBef>
-              <a:spcAft>
-                <a:spcPts val="0"/>
-              </a:spcAft>
-              <a:buSzPts val="1900"/>
-              <a:buChar char="-"/>
-            </a:pPr>
-            <a:r>
-              <a:rPr lang="en" sz="1900"/>
-              <a:t>Any of them can be used to understand the relationship between the features and sale price.</a:t>
-            </a:r>
-            <a:endParaRPr sz="1900"/>
-          </a:p>
-          <a:p>
-            <a:pPr indent="-349250" lvl="0" marL="457200" rtl="0" algn="l">
-              <a:lnSpc>
-                <a:spcPct val="150000"/>
-              </a:lnSpc>
-              <a:spcBef>
-                <a:spcPts val="0"/>
-              </a:spcBef>
-              <a:spcAft>
-                <a:spcPts val="0"/>
-              </a:spcAft>
-              <a:buSzPts val="1900"/>
-              <a:buChar char="-"/>
-            </a:pPr>
-            <a:r>
-              <a:rPr lang="en" sz="1900"/>
-              <a:t>Best model for prediction is lasso linear regression.</a:t>
-            </a:r>
-            <a:endParaRPr sz="1900"/>
-          </a:p>
-        </p:txBody>
-      </p:sp>
-      <p:sp>
-        <p:nvSpPr>
-          <p:cNvPr id="119" name="Google Shape;119;p21"/>
-          <p:cNvSpPr txBox="1"/>
-          <p:nvPr>
-            <p:ph idx="1" type="body"/>
-          </p:nvPr>
-        </p:nvSpPr>
-        <p:spPr>
-          <a:xfrm>
-            <a:off x="311700" y="3055425"/>
-            <a:ext cx="8520600" cy="1667100"/>
-          </a:xfrm>
-          <a:prstGeom prst="rect">
-            <a:avLst/>
-          </a:prstGeom>
-          <a:solidFill>
-            <a:srgbClr val="F4CCCC"/>
-          </a:solidFill>
-          <a:ln cap="flat" cmpd="sng" w="9525">
-            <a:solidFill>
-              <a:srgbClr val="000000"/>
-            </a:solidFill>
-            <a:prstDash val="solid"/>
-            <a:round/>
-            <a:headEnd len="sm" w="sm" type="none"/>
-            <a:tailEnd len="sm" w="sm" type="none"/>
-          </a:ln>
-        </p:spPr>
-        <p:txBody>
-          <a:bodyPr anchorCtr="0" anchor="t" bIns="91425" lIns="91425" spcFirstLastPara="1" rIns="91425" wrap="square" tIns="91425">
-            <a:normAutofit lnSpcReduction="10000"/>
-          </a:bodyPr>
-          <a:lstStyle/>
-          <a:p>
-            <a:pPr indent="-342900" lvl="0" marL="457200" rtl="0" algn="l">
-              <a:lnSpc>
-                <a:spcPct val="150000"/>
-              </a:lnSpc>
-              <a:spcBef>
-                <a:spcPts val="0"/>
-              </a:spcBef>
-              <a:spcAft>
-                <a:spcPts val="0"/>
-              </a:spcAft>
-              <a:buClr>
-                <a:srgbClr val="24292E"/>
-              </a:buClr>
-              <a:buSzPts val="1800"/>
-              <a:buAutoNum type="arabicParenR"/>
-            </a:pPr>
-            <a:r>
-              <a:rPr lang="en">
-                <a:solidFill>
-                  <a:srgbClr val="24292E"/>
-                </a:solidFill>
-              </a:rPr>
-              <a:t>Limited to houses located in neighborhoods that exist in the original training dataset.</a:t>
-            </a:r>
-            <a:endParaRPr>
-              <a:solidFill>
-                <a:srgbClr val="24292E"/>
-              </a:solidFill>
-            </a:endParaRPr>
-          </a:p>
-          <a:p>
-            <a:pPr indent="-342900" lvl="0" marL="457200" rtl="0" algn="l">
-              <a:lnSpc>
-                <a:spcPct val="150000"/>
-              </a:lnSpc>
-              <a:spcBef>
-                <a:spcPts val="0"/>
-              </a:spcBef>
-              <a:spcAft>
-                <a:spcPts val="0"/>
-              </a:spcAft>
-              <a:buClr>
-                <a:srgbClr val="24292E"/>
-              </a:buClr>
-              <a:buSzPts val="1800"/>
-              <a:buAutoNum type="arabicParenR"/>
-            </a:pPr>
-            <a:r>
-              <a:rPr lang="en">
-                <a:solidFill>
-                  <a:srgbClr val="24292E"/>
-                </a:solidFill>
-              </a:rPr>
-              <a:t>Limited to data provided in the same format as the original training dataset, where compulsory data/parameters are the variables used in the model.</a:t>
-            </a:r>
-            <a:endParaRPr>
-              <a:solidFill>
-                <a:srgbClr val="24292E"/>
-              </a:solidFill>
-            </a:endParaRPr>
-          </a:p>
-        </p:txBody>
-      </p:sp>
-    </p:spTree>
-  </p:cSld>
-  <p:clrMapOvr>
-    <a:masterClrMapping/>
-  </p:clrMapOvr>
-</p:sld>
-</file>
-
-<file path=ppt/theme/theme1.xml><?xml version="1.0" encoding="utf-8"?>
+<file path=ppt/theme/theme2.xml><?xml version="1.0" encoding="utf-8"?>
 <a:theme xmlns:a="http://schemas.openxmlformats.org/drawingml/2006/main" xmlns:r="http://schemas.openxmlformats.org/officeDocument/2006/relationships">
   <a:themeElements>
     <a:clrScheme name="Default">
@@ -9837,283 +10868,4 @@
     </a:fmtScheme>
   </a:themeElements>
 </a:theme>
-</file>
-
-<file path=ppt/theme/theme2.xml><?xml version="1.0" encoding="utf-8"?>
-<a:theme xmlns:a="http://schemas.openxmlformats.org/drawingml/2006/main" xmlns:r="http://schemas.openxmlformats.org/officeDocument/2006/relationships" name="Coral">
-  <a:themeElements>
-    <a:clrScheme name="Coral">
-      <a:dk1>
-        <a:srgbClr val="F55E61"/>
-      </a:dk1>
-      <a:lt1>
-        <a:srgbClr val="FFFFFF"/>
-      </a:lt1>
-      <a:dk2>
-        <a:srgbClr val="5E696C"/>
-      </a:dk2>
-      <a:lt2>
-        <a:srgbClr val="BFC7CA"/>
-      </a:lt2>
-      <a:accent1>
-        <a:srgbClr val="1E2D31"/>
-      </a:accent1>
-      <a:accent2>
-        <a:srgbClr val="273C42"/>
-      </a:accent2>
-      <a:accent3>
-        <a:srgbClr val="83D061"/>
-      </a:accent3>
-      <a:accent4>
-        <a:srgbClr val="F6CD4C"/>
-      </a:accent4>
-      <a:accent5>
-        <a:srgbClr val="AF4345"/>
-      </a:accent5>
-      <a:accent6>
-        <a:srgbClr val="F58F8F"/>
-      </a:accent6>
-      <a:hlink>
-        <a:srgbClr val="AF4345"/>
-      </a:hlink>
-      <a:folHlink>
-        <a:srgbClr val="AF4345"/>
-      </a:folHlink>
-    </a:clrScheme>
-    <a:fontScheme name="Office">
-      <a:majorFont>
-        <a:latin typeface="Arial"/>
-        <a:ea typeface=""/>
-        <a:cs typeface=""/>
-        <a:font script="Jpan" typeface="ＭＳ Ｐゴシック"/>
-        <a:font script="Hang" typeface="맑은 고딕"/>
-        <a:font script="Hans" typeface="宋体"/>
-        <a:font script="Hant" typeface="新細明體"/>
-        <a:font script="Arab" typeface="Times New Roman"/>
-        <a:font script="Hebr" typeface="Times New Roman"/>
-        <a:font script="Thai" typeface="Angsana New"/>
-        <a:font script="Ethi" typeface="Nyala"/>
-        <a:font script="Beng" typeface="Vrinda"/>
-        <a:font script="Gujr" typeface="Shruti"/>
-        <a:font script="Khmr" typeface="MoolBoran"/>
-        <a:font script="Knda" typeface="Tunga"/>
-        <a:font script="Guru" typeface="Raavi"/>
-        <a:font script="Cans" typeface="Euphemia"/>
-        <a:font script="Cher" typeface="Plantagenet Cherokee"/>
-        <a:font script="Yiii" typeface="Microsoft Yi Baiti"/>
-        <a:font script="Tibt" typeface="Microsoft Himalaya"/>
-        <a:font script="Thaa" typeface="MV Boli"/>
-        <a:font script="Deva" typeface="Mangal"/>
-        <a:font script="Telu" typeface="Gautami"/>
-        <a:font script="Taml" typeface="Latha"/>
-        <a:font script="Syrc" typeface="Estrangelo Edessa"/>
-        <a:font script="Orya" typeface="Kalinga"/>
-        <a:font script="Mlym" typeface="Kartika"/>
-        <a:font script="Laoo" typeface="DokChampa"/>
-        <a:font script="Sinh" typeface="Iskoola Pota"/>
-        <a:font script="Mong" typeface="Mongolian Baiti"/>
-        <a:font script="Viet" typeface="Times New Roman"/>
-        <a:font script="Uigh" typeface="Microsoft Uighur"/>
-        <a:font script="Geor" typeface="Sylfaen"/>
-      </a:majorFont>
-      <a:minorFont>
-        <a:latin typeface="Arial"/>
-        <a:ea typeface=""/>
-        <a:cs typeface=""/>
-        <a:font script="Jpan" typeface="ＭＳ Ｐゴシック"/>
-        <a:font script="Hang" typeface="맑은 고딕"/>
-        <a:font script="Hans" typeface="宋体"/>
-        <a:font script="Hant" typeface="新細明體"/>
-        <a:font script="Arab" typeface="Arial"/>
-        <a:font script="Hebr" typeface="Arial"/>
-        <a:font script="Thai" typeface="Cordia New"/>
-        <a:font script="Ethi" typeface="Nyala"/>
-        <a:font script="Beng" typeface="Vrinda"/>
-        <a:font script="Gujr" typeface="Shruti"/>
-        <a:font script="Khmr" typeface="DaunPenh"/>
-        <a:font script="Knda" typeface="Tunga"/>
-        <a:font script="Guru" typeface="Raavi"/>
-        <a:font script="Cans" typeface="Euphemia"/>
-        <a:font script="Cher" typeface="Plantagenet Cherokee"/>
-        <a:font script="Yiii" typeface="Microsoft Yi Baiti"/>
-        <a:font script="Tibt" typeface="Microsoft Himalaya"/>
-        <a:font script="Thaa" typeface="MV Boli"/>
-        <a:font script="Deva" typeface="Mangal"/>
-        <a:font script="Telu" typeface="Gautami"/>
-        <a:font script="Taml" typeface="Latha"/>
-        <a:font script="Syrc" typeface="Estrangelo Edessa"/>
-        <a:font script="Orya" typeface="Kalinga"/>
-        <a:font script="Mlym" typeface="Kartika"/>
-        <a:font script="Laoo" typeface="DokChampa"/>
-        <a:font script="Sinh" typeface="Iskoola Pota"/>
-        <a:font script="Mong" typeface="Mongolian Baiti"/>
-        <a:font script="Viet" typeface="Arial"/>
-        <a:font script="Uigh" typeface="Microsoft Uighur"/>
-        <a:font script="Geor" typeface="Sylfaen"/>
-      </a:minorFont>
-    </a:fontScheme>
-    <a:fmtScheme name="Office">
-      <a:fillStyleLst>
-        <a:solidFill>
-          <a:schemeClr val="phClr"/>
-        </a:solidFill>
-        <a:gradFill rotWithShape="1">
-          <a:gsLst>
-            <a:gs pos="0">
-              <a:schemeClr val="phClr">
-                <a:tint val="50000"/>
-                <a:satMod val="300000"/>
-              </a:schemeClr>
-            </a:gs>
-            <a:gs pos="35000">
-              <a:schemeClr val="phClr">
-                <a:tint val="37000"/>
-                <a:satMod val="300000"/>
-              </a:schemeClr>
-            </a:gs>
-            <a:gs pos="100000">
-              <a:schemeClr val="phClr">
-                <a:tint val="15000"/>
-                <a:satMod val="350000"/>
-              </a:schemeClr>
-            </a:gs>
-          </a:gsLst>
-          <a:lin ang="16200000" scaled="1"/>
-        </a:gradFill>
-        <a:gradFill rotWithShape="1">
-          <a:gsLst>
-            <a:gs pos="0">
-              <a:schemeClr val="phClr">
-                <a:tint val="100000"/>
-                <a:shade val="100000"/>
-                <a:satMod val="130000"/>
-              </a:schemeClr>
-            </a:gs>
-            <a:gs pos="100000">
-              <a:schemeClr val="phClr">
-                <a:tint val="50000"/>
-                <a:shade val="100000"/>
-                <a:satMod val="350000"/>
-              </a:schemeClr>
-            </a:gs>
-          </a:gsLst>
-          <a:lin ang="16200000" scaled="0"/>
-        </a:gradFill>
-      </a:fillStyleLst>
-      <a:lnStyleLst>
-        <a:ln w="9525" cap="flat" cmpd="sng" algn="ctr">
-          <a:solidFill>
-            <a:schemeClr val="phClr">
-              <a:shade val="95000"/>
-              <a:satMod val="105000"/>
-            </a:schemeClr>
-          </a:solidFill>
-          <a:prstDash val="solid"/>
-        </a:ln>
-        <a:ln w="25400" cap="flat" cmpd="sng" algn="ctr">
-          <a:solidFill>
-            <a:schemeClr val="phClr"/>
-          </a:solidFill>
-          <a:prstDash val="solid"/>
-        </a:ln>
-        <a:ln w="38100" cap="flat" cmpd="sng" algn="ctr">
-          <a:solidFill>
-            <a:schemeClr val="phClr"/>
-          </a:solidFill>
-          <a:prstDash val="solid"/>
-        </a:ln>
-      </a:lnStyleLst>
-      <a:effectStyleLst>
-        <a:effectStyle>
-          <a:effectLst>
-            <a:outerShdw blurRad="40000" dist="20000" dir="5400000" rotWithShape="0">
-              <a:srgbClr val="000000">
-                <a:alpha val="38000"/>
-              </a:srgbClr>
-            </a:outerShdw>
-          </a:effectLst>
-        </a:effectStyle>
-        <a:effectStyle>
-          <a:effectLst>
-            <a:outerShdw blurRad="40000" dist="23000" dir="5400000" rotWithShape="0">
-              <a:srgbClr val="000000">
-                <a:alpha val="35000"/>
-              </a:srgbClr>
-            </a:outerShdw>
-          </a:effectLst>
-        </a:effectStyle>
-        <a:effectStyle>
-          <a:effectLst>
-            <a:outerShdw blurRad="40000" dist="23000" dir="5400000" rotWithShape="0">
-              <a:srgbClr val="000000">
-                <a:alpha val="35000"/>
-              </a:srgbClr>
-            </a:outerShdw>
-          </a:effectLst>
-          <a:scene3d>
-            <a:camera prst="orthographicFront">
-              <a:rot lat="0" lon="0" rev="0"/>
-            </a:camera>
-            <a:lightRig rig="threePt" dir="t">
-              <a:rot lat="0" lon="0" rev="1200000"/>
-            </a:lightRig>
-          </a:scene3d>
-          <a:sp3d>
-            <a:bevelT w="63500" h="25400"/>
-          </a:sp3d>
-        </a:effectStyle>
-      </a:effectStyleLst>
-      <a:bgFillStyleLst>
-        <a:solidFill>
-          <a:schemeClr val="phClr"/>
-        </a:solidFill>
-        <a:gradFill rotWithShape="1">
-          <a:gsLst>
-            <a:gs pos="0">
-              <a:schemeClr val="phClr">
-                <a:tint val="40000"/>
-                <a:satMod val="350000"/>
-              </a:schemeClr>
-            </a:gs>
-            <a:gs pos="40000">
-              <a:schemeClr val="phClr">
-                <a:tint val="45000"/>
-                <a:shade val="99000"/>
-                <a:satMod val="350000"/>
-              </a:schemeClr>
-            </a:gs>
-            <a:gs pos="100000">
-              <a:schemeClr val="phClr">
-                <a:shade val="20000"/>
-                <a:satMod val="255000"/>
-              </a:schemeClr>
-            </a:gs>
-          </a:gsLst>
-          <a:path path="circle">
-            <a:fillToRect l="50000" t="-80000" r="50000" b="180000"/>
-          </a:path>
-        </a:gradFill>
-        <a:gradFill rotWithShape="1">
-          <a:gsLst>
-            <a:gs pos="0">
-              <a:schemeClr val="phClr">
-                <a:tint val="80000"/>
-                <a:satMod val="300000"/>
-              </a:schemeClr>
-            </a:gs>
-            <a:gs pos="100000">
-              <a:schemeClr val="phClr">
-                <a:shade val="30000"/>
-                <a:satMod val="200000"/>
-              </a:schemeClr>
-            </a:gs>
-          </a:gsLst>
-          <a:path path="circle">
-            <a:fillToRect l="50000" t="50000" r="50000" b="50000"/>
-          </a:path>
-        </a:gradFill>
-      </a:bgFillStyleLst>
-    </a:fmtScheme>
-  </a:themeElements>
-</a:theme>
 </file>